--- a/clases/Cap02_Extraccion_de_Caracteristicas/presentations/PAT02_GeometricFeatures.pptx
+++ b/clases/Cap02_Extraccion_de_Caracteristicas/presentations/PAT02_GeometricFeatures.pptx
@@ -222,7 +222,7 @@
             <a:fld id="{6331132F-6757-456E-A169-DFC25AF282F4}" type="datetimeFigureOut">
               <a:rPr lang="es-CL" smtClean="0"/>
               <a:pPr/>
-              <a:t>15-03-18</a:t>
+              <a:t>07-03-19</a:t>
             </a:fld>
             <a:endParaRPr lang="es-CL"/>
           </a:p>
@@ -763,7 +763,7 @@
             <a:fld id="{CBB330BB-3945-4562-998B-13630C30D4E7}" type="datetimeFigureOut">
               <a:rPr lang="es-CL" smtClean="0"/>
               <a:pPr/>
-              <a:t>15-03-18</a:t>
+              <a:t>07-03-19</a:t>
             </a:fld>
             <a:endParaRPr lang="es-CL"/>
           </a:p>
@@ -930,7 +930,7 @@
             <a:fld id="{CBB330BB-3945-4562-998B-13630C30D4E7}" type="datetimeFigureOut">
               <a:rPr lang="es-CL" smtClean="0"/>
               <a:pPr/>
-              <a:t>15-03-18</a:t>
+              <a:t>07-03-19</a:t>
             </a:fld>
             <a:endParaRPr lang="es-CL"/>
           </a:p>
@@ -1107,7 +1107,7 @@
             <a:fld id="{CBB330BB-3945-4562-998B-13630C30D4E7}" type="datetimeFigureOut">
               <a:rPr lang="es-CL" smtClean="0"/>
               <a:pPr/>
-              <a:t>15-03-18</a:t>
+              <a:t>07-03-19</a:t>
             </a:fld>
             <a:endParaRPr lang="es-CL"/>
           </a:p>
@@ -1274,7 +1274,7 @@
             <a:fld id="{CBB330BB-3945-4562-998B-13630C30D4E7}" type="datetimeFigureOut">
               <a:rPr lang="es-CL" smtClean="0"/>
               <a:pPr/>
-              <a:t>15-03-18</a:t>
+              <a:t>07-03-19</a:t>
             </a:fld>
             <a:endParaRPr lang="es-CL"/>
           </a:p>
@@ -1517,7 +1517,7 @@
             <a:fld id="{CBB330BB-3945-4562-998B-13630C30D4E7}" type="datetimeFigureOut">
               <a:rPr lang="es-CL" smtClean="0"/>
               <a:pPr/>
-              <a:t>15-03-18</a:t>
+              <a:t>07-03-19</a:t>
             </a:fld>
             <a:endParaRPr lang="es-CL"/>
           </a:p>
@@ -1802,7 +1802,7 @@
             <a:fld id="{CBB330BB-3945-4562-998B-13630C30D4E7}" type="datetimeFigureOut">
               <a:rPr lang="es-CL" smtClean="0"/>
               <a:pPr/>
-              <a:t>15-03-18</a:t>
+              <a:t>07-03-19</a:t>
             </a:fld>
             <a:endParaRPr lang="es-CL"/>
           </a:p>
@@ -2221,7 +2221,7 @@
             <a:fld id="{CBB330BB-3945-4562-998B-13630C30D4E7}" type="datetimeFigureOut">
               <a:rPr lang="es-CL" smtClean="0"/>
               <a:pPr/>
-              <a:t>15-03-18</a:t>
+              <a:t>07-03-19</a:t>
             </a:fld>
             <a:endParaRPr lang="es-CL"/>
           </a:p>
@@ -2336,7 +2336,7 @@
             <a:fld id="{CBB330BB-3945-4562-998B-13630C30D4E7}" type="datetimeFigureOut">
               <a:rPr lang="es-CL" smtClean="0"/>
               <a:pPr/>
-              <a:t>15-03-18</a:t>
+              <a:t>07-03-19</a:t>
             </a:fld>
             <a:endParaRPr lang="es-CL"/>
           </a:p>
@@ -2428,7 +2428,7 @@
             <a:fld id="{CBB330BB-3945-4562-998B-13630C30D4E7}" type="datetimeFigureOut">
               <a:rPr lang="es-CL" smtClean="0"/>
               <a:pPr/>
-              <a:t>15-03-18</a:t>
+              <a:t>07-03-19</a:t>
             </a:fld>
             <a:endParaRPr lang="es-CL"/>
           </a:p>
@@ -2702,7 +2702,7 @@
             <a:fld id="{CBB330BB-3945-4562-998B-13630C30D4E7}" type="datetimeFigureOut">
               <a:rPr lang="es-CL" smtClean="0"/>
               <a:pPr/>
-              <a:t>15-03-18</a:t>
+              <a:t>07-03-19</a:t>
             </a:fld>
             <a:endParaRPr lang="es-CL"/>
           </a:p>
@@ -2952,7 +2952,7 @@
             <a:fld id="{CBB330BB-3945-4562-998B-13630C30D4E7}" type="datetimeFigureOut">
               <a:rPr lang="es-CL" smtClean="0"/>
               <a:pPr/>
-              <a:t>15-03-18</a:t>
+              <a:t>07-03-19</a:t>
             </a:fld>
             <a:endParaRPr lang="es-CL"/>
           </a:p>
@@ -3162,7 +3162,7 @@
             <a:fld id="{CBB330BB-3945-4562-998B-13630C30D4E7}" type="datetimeFigureOut">
               <a:rPr lang="es-CL" smtClean="0"/>
               <a:pPr/>
-              <a:t>15-03-18</a:t>
+              <a:t>07-03-19</a:t>
             </a:fld>
             <a:endParaRPr lang="es-CL"/>
           </a:p>
@@ -3958,28 +3958,6 @@
           </a:p>
           <a:p>
             <a:pPr algn="ctr"/>
-            <a:r>
-              <a:rPr lang="es-CL" sz="1200" dirty="0" smtClean="0">
-                <a:solidFill>
-                  <a:schemeClr val="bg1">
-                    <a:lumMod val="75000"/>
-                  </a:schemeClr>
-                </a:solidFill>
-                <a:latin typeface="Trebuchet MS" pitchFamily="34" charset="0"/>
-              </a:rPr>
-              <a:t>Semestre </a:t>
-            </a:r>
-            <a:r>
-              <a:rPr lang="es-CL" sz="1200" dirty="0" smtClean="0">
-                <a:solidFill>
-                  <a:schemeClr val="bg1">
-                    <a:lumMod val="75000"/>
-                  </a:schemeClr>
-                </a:solidFill>
-                <a:latin typeface="Trebuchet MS" pitchFamily="34" charset="0"/>
-              </a:rPr>
-              <a:t>2018-1</a:t>
-            </a:r>
             <a:endParaRPr lang="en-US" sz="1200" dirty="0">
               <a:solidFill>
                 <a:schemeClr val="bg1">
@@ -11134,7 +11112,7 @@
           <a:graphicData uri="http://schemas.openxmlformats.org/presentationml/2006/ole">
             <mc:AlternateContent xmlns:mc="http://schemas.openxmlformats.org/markup-compatibility/2006">
               <mc:Choice xmlns:v="urn:schemas-microsoft-com:vml" Requires="v">
-                <p:oleObj spid="_x0000_s18440" name="Equation" r:id="rId8" imgW="114300" imgH="165100" progId="Equation.3">
+                <p:oleObj spid="_x0000_s18442" name="Equation" r:id="rId8" imgW="114300" imgH="165100" progId="Equation.3">
                   <p:embed/>
                 </p:oleObj>
               </mc:Choice>
@@ -13250,7 +13228,7 @@
           <a:graphicData uri="http://schemas.openxmlformats.org/presentationml/2006/ole">
             <mc:AlternateContent xmlns:mc="http://schemas.openxmlformats.org/markup-compatibility/2006">
               <mc:Choice xmlns:v="urn:schemas-microsoft-com:vml" Requires="v">
-                <p:oleObj spid="_x0000_s1042" name="Fotografía de Photo Editor" r:id="rId3" imgW="8745171" imgH="5315692" progId="MSPhotoEd.3">
+                <p:oleObj spid="_x0000_s1044" name="Fotografía de Photo Editor" r:id="rId3" imgW="8745171" imgH="5315692" progId="MSPhotoEd.3">
                   <p:embed/>
                 </p:oleObj>
               </mc:Choice>
@@ -13293,14 +13271,14 @@
                       <a:effectLst/>
                       <a:extLst>
                         <a:ext uri="{909E8E84-426E-40dd-AFC4-6F175D3DCCD1}">
-                          <a14:hiddenFill xmlns:a14="http://schemas.microsoft.com/office/drawing/2010/main" xmlns="">
+                          <a14:hiddenFill xmlns="" xmlns:a14="http://schemas.microsoft.com/office/drawing/2010/main">
                             <a:solidFill>
                               <a:schemeClr val="accent1"/>
                             </a:solidFill>
                           </a14:hiddenFill>
                         </a:ext>
                         <a:ext uri="{91240B29-F687-4f45-9708-019B960494DF}">
-                          <a14:hiddenLine xmlns:a14="http://schemas.microsoft.com/office/drawing/2010/main" xmlns="" w="9525">
+                          <a14:hiddenLine xmlns="" xmlns:a14="http://schemas.microsoft.com/office/drawing/2010/main" w="9525">
                             <a:solidFill>
                               <a:schemeClr val="tx1"/>
                             </a:solidFill>
@@ -13310,7 +13288,7 @@
                           </a14:hiddenLine>
                         </a:ext>
                         <a:ext uri="{AF507438-7753-43e0-B8FC-AC1667EBCBE1}">
-                          <a14:hiddenEffects xmlns:a14="http://schemas.microsoft.com/office/drawing/2010/main" xmlns="">
+                          <a14:hiddenEffects xmlns="" xmlns:a14="http://schemas.microsoft.com/office/drawing/2010/main">
                             <a:effectLst>
                               <a:outerShdw blurRad="63500" dist="38099" dir="2700000" algn="ctr" rotWithShape="0">
                                 <a:schemeClr val="bg2">

--- a/clases/Cap02_Extraccion_de_Caracteristicas/presentations/PAT02_GeometricFeatures.pptx
+++ b/clases/Cap02_Extraccion_de_Caracteristicas/presentations/PAT02_GeometricFeatures.pptx
@@ -222,7 +222,7 @@
             <a:fld id="{6331132F-6757-456E-A169-DFC25AF282F4}" type="datetimeFigureOut">
               <a:rPr lang="es-CL" smtClean="0"/>
               <a:pPr/>
-              <a:t>07-03-19</a:t>
+              <a:t>19-03-19</a:t>
             </a:fld>
             <a:endParaRPr lang="es-CL"/>
           </a:p>
@@ -763,7 +763,7 @@
             <a:fld id="{CBB330BB-3945-4562-998B-13630C30D4E7}" type="datetimeFigureOut">
               <a:rPr lang="es-CL" smtClean="0"/>
               <a:pPr/>
-              <a:t>07-03-19</a:t>
+              <a:t>19-03-19</a:t>
             </a:fld>
             <a:endParaRPr lang="es-CL"/>
           </a:p>
@@ -930,7 +930,7 @@
             <a:fld id="{CBB330BB-3945-4562-998B-13630C30D4E7}" type="datetimeFigureOut">
               <a:rPr lang="es-CL" smtClean="0"/>
               <a:pPr/>
-              <a:t>07-03-19</a:t>
+              <a:t>19-03-19</a:t>
             </a:fld>
             <a:endParaRPr lang="es-CL"/>
           </a:p>
@@ -1107,7 +1107,7 @@
             <a:fld id="{CBB330BB-3945-4562-998B-13630C30D4E7}" type="datetimeFigureOut">
               <a:rPr lang="es-CL" smtClean="0"/>
               <a:pPr/>
-              <a:t>07-03-19</a:t>
+              <a:t>19-03-19</a:t>
             </a:fld>
             <a:endParaRPr lang="es-CL"/>
           </a:p>
@@ -1274,7 +1274,7 @@
             <a:fld id="{CBB330BB-3945-4562-998B-13630C30D4E7}" type="datetimeFigureOut">
               <a:rPr lang="es-CL" smtClean="0"/>
               <a:pPr/>
-              <a:t>07-03-19</a:t>
+              <a:t>19-03-19</a:t>
             </a:fld>
             <a:endParaRPr lang="es-CL"/>
           </a:p>
@@ -1517,7 +1517,7 @@
             <a:fld id="{CBB330BB-3945-4562-998B-13630C30D4E7}" type="datetimeFigureOut">
               <a:rPr lang="es-CL" smtClean="0"/>
               <a:pPr/>
-              <a:t>07-03-19</a:t>
+              <a:t>19-03-19</a:t>
             </a:fld>
             <a:endParaRPr lang="es-CL"/>
           </a:p>
@@ -1802,7 +1802,7 @@
             <a:fld id="{CBB330BB-3945-4562-998B-13630C30D4E7}" type="datetimeFigureOut">
               <a:rPr lang="es-CL" smtClean="0"/>
               <a:pPr/>
-              <a:t>07-03-19</a:t>
+              <a:t>19-03-19</a:t>
             </a:fld>
             <a:endParaRPr lang="es-CL"/>
           </a:p>
@@ -2221,7 +2221,7 @@
             <a:fld id="{CBB330BB-3945-4562-998B-13630C30D4E7}" type="datetimeFigureOut">
               <a:rPr lang="es-CL" smtClean="0"/>
               <a:pPr/>
-              <a:t>07-03-19</a:t>
+              <a:t>19-03-19</a:t>
             </a:fld>
             <a:endParaRPr lang="es-CL"/>
           </a:p>
@@ -2336,7 +2336,7 @@
             <a:fld id="{CBB330BB-3945-4562-998B-13630C30D4E7}" type="datetimeFigureOut">
               <a:rPr lang="es-CL" smtClean="0"/>
               <a:pPr/>
-              <a:t>07-03-19</a:t>
+              <a:t>19-03-19</a:t>
             </a:fld>
             <a:endParaRPr lang="es-CL"/>
           </a:p>
@@ -2428,7 +2428,7 @@
             <a:fld id="{CBB330BB-3945-4562-998B-13630C30D4E7}" type="datetimeFigureOut">
               <a:rPr lang="es-CL" smtClean="0"/>
               <a:pPr/>
-              <a:t>07-03-19</a:t>
+              <a:t>19-03-19</a:t>
             </a:fld>
             <a:endParaRPr lang="es-CL"/>
           </a:p>
@@ -2702,7 +2702,7 @@
             <a:fld id="{CBB330BB-3945-4562-998B-13630C30D4E7}" type="datetimeFigureOut">
               <a:rPr lang="es-CL" smtClean="0"/>
               <a:pPr/>
-              <a:t>07-03-19</a:t>
+              <a:t>19-03-19</a:t>
             </a:fld>
             <a:endParaRPr lang="es-CL"/>
           </a:p>
@@ -2952,7 +2952,7 @@
             <a:fld id="{CBB330BB-3945-4562-998B-13630C30D4E7}" type="datetimeFigureOut">
               <a:rPr lang="es-CL" smtClean="0"/>
               <a:pPr/>
-              <a:t>07-03-19</a:t>
+              <a:t>19-03-19</a:t>
             </a:fld>
             <a:endParaRPr lang="es-CL"/>
           </a:p>
@@ -3162,7 +3162,7 @@
             <a:fld id="{CBB330BB-3945-4562-998B-13630C30D4E7}" type="datetimeFigureOut">
               <a:rPr lang="es-CL" smtClean="0"/>
               <a:pPr/>
-              <a:t>07-03-19</a:t>
+              <a:t>19-03-19</a:t>
             </a:fld>
             <a:endParaRPr lang="es-CL"/>
           </a:p>
@@ -10075,7 +10075,7 @@
         </p:nvSpPr>
         <p:spPr>
           <a:xfrm>
-            <a:off x="6478737" y="6272737"/>
+            <a:off x="173187" y="6329887"/>
             <a:ext cx="2481043" cy="369332"/>
           </a:xfrm>
           <a:prstGeom prst="rect">
@@ -11112,7 +11112,7 @@
           <a:graphicData uri="http://schemas.openxmlformats.org/presentationml/2006/ole">
             <mc:AlternateContent xmlns:mc="http://schemas.openxmlformats.org/markup-compatibility/2006">
               <mc:Choice xmlns:v="urn:schemas-microsoft-com:vml" Requires="v">
-                <p:oleObj spid="_x0000_s18442" name="Equation" r:id="rId8" imgW="114300" imgH="165100" progId="Equation.3">
+                <p:oleObj spid="_x0000_s18445" name="Equation" r:id="rId8" imgW="114300" imgH="165100" progId="Equation.3">
                   <p:embed/>
                 </p:oleObj>
               </mc:Choice>
@@ -11350,6 +11350,40 @@
           </p:txBody>
         </p:sp>
       </p:grpSp>
+      <p:sp>
+        <p:nvSpPr>
+          <p:cNvPr id="25" name="TextBox 24"/>
+          <p:cNvSpPr txBox="1"/>
+          <p:nvPr/>
+        </p:nvSpPr>
+        <p:spPr>
+          <a:xfrm>
+            <a:off x="192237" y="6348937"/>
+            <a:ext cx="2940357" cy="369332"/>
+          </a:xfrm>
+          <a:prstGeom prst="rect">
+            <a:avLst/>
+          </a:prstGeom>
+          <a:noFill/>
+        </p:spPr>
+        <p:txBody>
+          <a:bodyPr wrap="none" rtlCol="0">
+            <a:spAutoFit/>
+          </a:bodyPr>
+          <a:lstStyle/>
+          <a:p>
+            <a:r>
+              <a:rPr lang="en-US" smtClean="0"/>
+              <a:t>&gt; </a:t>
+            </a:r>
+            <a:r>
+              <a:rPr lang="en-US" smtClean="0"/>
+              <a:t>PAT02_BasicGeoFeatures.m</a:t>
+            </a:r>
+            <a:endParaRPr lang="en-US" dirty="0"/>
+          </a:p>
+        </p:txBody>
+      </p:sp>
     </p:spTree>
     <p:extLst>
       <p:ext uri="{BB962C8B-B14F-4D97-AF65-F5344CB8AC3E}">
@@ -12906,7 +12940,7 @@
         </p:nvSpPr>
         <p:spPr>
           <a:xfrm>
-            <a:off x="6414592" y="6324048"/>
+            <a:off x="166192" y="6324048"/>
             <a:ext cx="2538413" cy="369332"/>
           </a:xfrm>
           <a:prstGeom prst="rect">
@@ -13228,7 +13262,7 @@
           <a:graphicData uri="http://schemas.openxmlformats.org/presentationml/2006/ole">
             <mc:AlternateContent xmlns:mc="http://schemas.openxmlformats.org/markup-compatibility/2006">
               <mc:Choice xmlns:v="urn:schemas-microsoft-com:vml" Requires="v">
-                <p:oleObj spid="_x0000_s1044" name="Fotografía de Photo Editor" r:id="rId3" imgW="8745171" imgH="5315692" progId="MSPhotoEd.3">
+                <p:oleObj spid="_x0000_s1047" name="Fotografía de Photo Editor" r:id="rId3" imgW="8745171" imgH="5315692" progId="MSPhotoEd.3">
                   <p:embed/>
                 </p:oleObj>
               </mc:Choice>
@@ -13271,14 +13305,14 @@
                       <a:effectLst/>
                       <a:extLst>
                         <a:ext uri="{909E8E84-426E-40dd-AFC4-6F175D3DCCD1}">
-                          <a14:hiddenFill xmlns="" xmlns:a14="http://schemas.microsoft.com/office/drawing/2010/main">
+                          <a14:hiddenFill xmlns:a14="http://schemas.microsoft.com/office/drawing/2010/main" xmlns="">
                             <a:solidFill>
                               <a:schemeClr val="accent1"/>
                             </a:solidFill>
                           </a14:hiddenFill>
                         </a:ext>
                         <a:ext uri="{91240B29-F687-4f45-9708-019B960494DF}">
-                          <a14:hiddenLine xmlns="" xmlns:a14="http://schemas.microsoft.com/office/drawing/2010/main" w="9525">
+                          <a14:hiddenLine xmlns:a14="http://schemas.microsoft.com/office/drawing/2010/main" xmlns="" w="9525">
                             <a:solidFill>
                               <a:schemeClr val="tx1"/>
                             </a:solidFill>
@@ -13288,7 +13322,7 @@
                           </a14:hiddenLine>
                         </a:ext>
                         <a:ext uri="{AF507438-7753-43e0-B8FC-AC1667EBCBE1}">
-                          <a14:hiddenEffects xmlns="" xmlns:a14="http://schemas.microsoft.com/office/drawing/2010/main">
+                          <a14:hiddenEffects xmlns:a14="http://schemas.microsoft.com/office/drawing/2010/main" xmlns="">
                             <a:effectLst>
                               <a:outerShdw blurRad="63500" dist="38099" dir="2700000" algn="ctr" rotWithShape="0">
                                 <a:schemeClr val="bg2">

--- a/clases/Cap02_Extraccion_de_Caracteristicas/presentations/PAT02_GeometricFeatures.pptx
+++ b/clases/Cap02_Extraccion_de_Caracteristicas/presentations/PAT02_GeometricFeatures.pptx
@@ -5,7 +5,7 @@
     <p:sldMasterId id="2147483648" r:id="rId1"/>
   </p:sldMasterIdLst>
   <p:notesMasterIdLst>
-    <p:notesMasterId r:id="rId16"/>
+    <p:notesMasterId r:id="rId17"/>
   </p:notesMasterIdLst>
   <p:sldIdLst>
     <p:sldId id="313" r:id="rId2"/>
@@ -22,6 +22,7 @@
     <p:sldId id="312" r:id="rId13"/>
     <p:sldId id="305" r:id="rId14"/>
     <p:sldId id="306" r:id="rId15"/>
+    <p:sldId id="314" r:id="rId16"/>
   </p:sldIdLst>
   <p:sldSz cx="9144000" cy="6858000" type="screen4x3"/>
   <p:notesSz cx="6858000" cy="9144000"/>
@@ -222,7 +223,7 @@
             <a:fld id="{6331132F-6757-456E-A169-DFC25AF282F4}" type="datetimeFigureOut">
               <a:rPr lang="es-CL" smtClean="0"/>
               <a:pPr/>
-              <a:t>19-03-19</a:t>
+              <a:t>24-03-21</a:t>
             </a:fld>
             <a:endParaRPr lang="es-CL"/>
           </a:p>
@@ -288,35 +289,35 @@
           <a:p>
             <a:pPr lvl="0"/>
             <a:r>
-              <a:rPr lang="es-ES" smtClean="0"/>
+              <a:rPr lang="es-ES"/>
               <a:t>Haga clic para modificar el estilo de texto del patrón</a:t>
             </a:r>
           </a:p>
           <a:p>
             <a:pPr lvl="1"/>
             <a:r>
-              <a:rPr lang="es-ES" smtClean="0"/>
+              <a:rPr lang="es-ES"/>
               <a:t>Segundo nivel</a:t>
             </a:r>
           </a:p>
           <a:p>
             <a:pPr lvl="2"/>
             <a:r>
-              <a:rPr lang="es-ES" smtClean="0"/>
+              <a:rPr lang="es-ES"/>
               <a:t>Tercer nivel</a:t>
             </a:r>
           </a:p>
           <a:p>
             <a:pPr lvl="3"/>
             <a:r>
-              <a:rPr lang="es-ES" smtClean="0"/>
+              <a:rPr lang="es-ES"/>
               <a:t>Cuarto nivel</a:t>
             </a:r>
           </a:p>
           <a:p>
             <a:pPr lvl="4"/>
             <a:r>
-              <a:rPr lang="es-ES" smtClean="0"/>
+              <a:rPr lang="es-ES"/>
               <a:t>Quinto nivel</a:t>
             </a:r>
             <a:endParaRPr lang="es-CL"/>
@@ -569,7 +570,7 @@
           <a:lstStyle/>
           <a:p>
             <a:pPr eaLnBrk="1" hangingPunct="1"/>
-            <a:endParaRPr lang="es-ES" smtClean="0"/>
+            <a:endParaRPr lang="es-ES"/>
           </a:p>
         </p:txBody>
       </p:sp>
@@ -619,7 +620,7 @@
           <a:lstStyle/>
           <a:p>
             <a:r>
-              <a:rPr lang="es-ES" smtClean="0"/>
+              <a:rPr lang="es-ES"/>
               <a:t>Haga clic para modificar el estilo de título del patrón</a:t>
             </a:r>
             <a:endParaRPr lang="es-CL"/>
@@ -738,7 +739,7 @@
           </a:lstStyle>
           <a:p>
             <a:r>
-              <a:rPr lang="es-ES" smtClean="0"/>
+              <a:rPr lang="es-ES"/>
               <a:t>Haga clic para modificar el estilo de subtítulo del patrón</a:t>
             </a:r>
             <a:endParaRPr lang="es-CL"/>
@@ -763,7 +764,7 @@
             <a:fld id="{CBB330BB-3945-4562-998B-13630C30D4E7}" type="datetimeFigureOut">
               <a:rPr lang="es-CL" smtClean="0"/>
               <a:pPr/>
-              <a:t>19-03-19</a:t>
+              <a:t>24-03-21</a:t>
             </a:fld>
             <a:endParaRPr lang="es-CL"/>
           </a:p>
@@ -853,7 +854,7 @@
           <a:lstStyle/>
           <a:p>
             <a:r>
-              <a:rPr lang="es-ES" smtClean="0"/>
+              <a:rPr lang="es-ES"/>
               <a:t>Haga clic para modificar el estilo de título del patrón</a:t>
             </a:r>
             <a:endParaRPr lang="es-CL"/>
@@ -877,35 +878,35 @@
           <a:p>
             <a:pPr lvl="0"/>
             <a:r>
-              <a:rPr lang="es-ES" smtClean="0"/>
+              <a:rPr lang="es-ES"/>
               <a:t>Haga clic para modificar el estilo de texto del patrón</a:t>
             </a:r>
           </a:p>
           <a:p>
             <a:pPr lvl="1"/>
             <a:r>
-              <a:rPr lang="es-ES" smtClean="0"/>
+              <a:rPr lang="es-ES"/>
               <a:t>Segundo nivel</a:t>
             </a:r>
           </a:p>
           <a:p>
             <a:pPr lvl="2"/>
             <a:r>
-              <a:rPr lang="es-ES" smtClean="0"/>
+              <a:rPr lang="es-ES"/>
               <a:t>Tercer nivel</a:t>
             </a:r>
           </a:p>
           <a:p>
             <a:pPr lvl="3"/>
             <a:r>
-              <a:rPr lang="es-ES" smtClean="0"/>
+              <a:rPr lang="es-ES"/>
               <a:t>Cuarto nivel</a:t>
             </a:r>
           </a:p>
           <a:p>
             <a:pPr lvl="4"/>
             <a:r>
-              <a:rPr lang="es-ES" smtClean="0"/>
+              <a:rPr lang="es-ES"/>
               <a:t>Quinto nivel</a:t>
             </a:r>
             <a:endParaRPr lang="es-CL"/>
@@ -930,7 +931,7 @@
             <a:fld id="{CBB330BB-3945-4562-998B-13630C30D4E7}" type="datetimeFigureOut">
               <a:rPr lang="es-CL" smtClean="0"/>
               <a:pPr/>
-              <a:t>19-03-19</a:t>
+              <a:t>24-03-21</a:t>
             </a:fld>
             <a:endParaRPr lang="es-CL"/>
           </a:p>
@@ -1025,7 +1026,7 @@
           <a:lstStyle/>
           <a:p>
             <a:r>
-              <a:rPr lang="es-ES" smtClean="0"/>
+              <a:rPr lang="es-ES"/>
               <a:t>Haga clic para modificar el estilo de título del patrón</a:t>
             </a:r>
             <a:endParaRPr lang="es-CL"/>
@@ -1054,35 +1055,35 @@
           <a:p>
             <a:pPr lvl="0"/>
             <a:r>
-              <a:rPr lang="es-ES" smtClean="0"/>
+              <a:rPr lang="es-ES"/>
               <a:t>Haga clic para modificar el estilo de texto del patrón</a:t>
             </a:r>
           </a:p>
           <a:p>
             <a:pPr lvl="1"/>
             <a:r>
-              <a:rPr lang="es-ES" smtClean="0"/>
+              <a:rPr lang="es-ES"/>
               <a:t>Segundo nivel</a:t>
             </a:r>
           </a:p>
           <a:p>
             <a:pPr lvl="2"/>
             <a:r>
-              <a:rPr lang="es-ES" smtClean="0"/>
+              <a:rPr lang="es-ES"/>
               <a:t>Tercer nivel</a:t>
             </a:r>
           </a:p>
           <a:p>
             <a:pPr lvl="3"/>
             <a:r>
-              <a:rPr lang="es-ES" smtClean="0"/>
+              <a:rPr lang="es-ES"/>
               <a:t>Cuarto nivel</a:t>
             </a:r>
           </a:p>
           <a:p>
             <a:pPr lvl="4"/>
             <a:r>
-              <a:rPr lang="es-ES" smtClean="0"/>
+              <a:rPr lang="es-ES"/>
               <a:t>Quinto nivel</a:t>
             </a:r>
             <a:endParaRPr lang="es-CL"/>
@@ -1107,7 +1108,7 @@
             <a:fld id="{CBB330BB-3945-4562-998B-13630C30D4E7}" type="datetimeFigureOut">
               <a:rPr lang="es-CL" smtClean="0"/>
               <a:pPr/>
-              <a:t>19-03-19</a:t>
+              <a:t>24-03-21</a:t>
             </a:fld>
             <a:endParaRPr lang="es-CL"/>
           </a:p>
@@ -1197,7 +1198,7 @@
           <a:lstStyle/>
           <a:p>
             <a:r>
-              <a:rPr lang="es-ES" smtClean="0"/>
+              <a:rPr lang="es-ES"/>
               <a:t>Haga clic para modificar el estilo de título del patrón</a:t>
             </a:r>
             <a:endParaRPr lang="es-CL"/>
@@ -1221,35 +1222,35 @@
           <a:p>
             <a:pPr lvl="0"/>
             <a:r>
-              <a:rPr lang="es-ES" smtClean="0"/>
+              <a:rPr lang="es-ES"/>
               <a:t>Haga clic para modificar el estilo de texto del patrón</a:t>
             </a:r>
           </a:p>
           <a:p>
             <a:pPr lvl="1"/>
             <a:r>
-              <a:rPr lang="es-ES" smtClean="0"/>
+              <a:rPr lang="es-ES"/>
               <a:t>Segundo nivel</a:t>
             </a:r>
           </a:p>
           <a:p>
             <a:pPr lvl="2"/>
             <a:r>
-              <a:rPr lang="es-ES" smtClean="0"/>
+              <a:rPr lang="es-ES"/>
               <a:t>Tercer nivel</a:t>
             </a:r>
           </a:p>
           <a:p>
             <a:pPr lvl="3"/>
             <a:r>
-              <a:rPr lang="es-ES" smtClean="0"/>
+              <a:rPr lang="es-ES"/>
               <a:t>Cuarto nivel</a:t>
             </a:r>
           </a:p>
           <a:p>
             <a:pPr lvl="4"/>
             <a:r>
-              <a:rPr lang="es-ES" smtClean="0"/>
+              <a:rPr lang="es-ES"/>
               <a:t>Quinto nivel</a:t>
             </a:r>
             <a:endParaRPr lang="es-CL"/>
@@ -1274,7 +1275,7 @@
             <a:fld id="{CBB330BB-3945-4562-998B-13630C30D4E7}" type="datetimeFigureOut">
               <a:rPr lang="es-CL" smtClean="0"/>
               <a:pPr/>
-              <a:t>19-03-19</a:t>
+              <a:t>24-03-21</a:t>
             </a:fld>
             <a:endParaRPr lang="es-CL"/>
           </a:p>
@@ -1373,7 +1374,7 @@
           </a:lstStyle>
           <a:p>
             <a:r>
-              <a:rPr lang="es-ES" smtClean="0"/>
+              <a:rPr lang="es-ES"/>
               <a:t>Haga clic para modificar el estilo de título del patrón</a:t>
             </a:r>
             <a:endParaRPr lang="es-CL"/>
@@ -1493,7 +1494,7 @@
           <a:p>
             <a:pPr lvl="0"/>
             <a:r>
-              <a:rPr lang="es-ES" smtClean="0"/>
+              <a:rPr lang="es-ES"/>
               <a:t>Haga clic para modificar el estilo de texto del patrón</a:t>
             </a:r>
           </a:p>
@@ -1517,7 +1518,7 @@
             <a:fld id="{CBB330BB-3945-4562-998B-13630C30D4E7}" type="datetimeFigureOut">
               <a:rPr lang="es-CL" smtClean="0"/>
               <a:pPr/>
-              <a:t>19-03-19</a:t>
+              <a:t>24-03-21</a:t>
             </a:fld>
             <a:endParaRPr lang="es-CL"/>
           </a:p>
@@ -1607,7 +1608,7 @@
           <a:lstStyle/>
           <a:p>
             <a:r>
-              <a:rPr lang="es-ES" smtClean="0"/>
+              <a:rPr lang="es-ES"/>
               <a:t>Haga clic para modificar el estilo de título del patrón</a:t>
             </a:r>
             <a:endParaRPr lang="es-CL"/>
@@ -1664,35 +1665,35 @@
           <a:p>
             <a:pPr lvl="0"/>
             <a:r>
-              <a:rPr lang="es-ES" smtClean="0"/>
+              <a:rPr lang="es-ES"/>
               <a:t>Haga clic para modificar el estilo de texto del patrón</a:t>
             </a:r>
           </a:p>
           <a:p>
             <a:pPr lvl="1"/>
             <a:r>
-              <a:rPr lang="es-ES" smtClean="0"/>
+              <a:rPr lang="es-ES"/>
               <a:t>Segundo nivel</a:t>
             </a:r>
           </a:p>
           <a:p>
             <a:pPr lvl="2"/>
             <a:r>
-              <a:rPr lang="es-ES" smtClean="0"/>
+              <a:rPr lang="es-ES"/>
               <a:t>Tercer nivel</a:t>
             </a:r>
           </a:p>
           <a:p>
             <a:pPr lvl="3"/>
             <a:r>
-              <a:rPr lang="es-ES" smtClean="0"/>
+              <a:rPr lang="es-ES"/>
               <a:t>Cuarto nivel</a:t>
             </a:r>
           </a:p>
           <a:p>
             <a:pPr lvl="4"/>
             <a:r>
-              <a:rPr lang="es-ES" smtClean="0"/>
+              <a:rPr lang="es-ES"/>
               <a:t>Quinto nivel</a:t>
             </a:r>
             <a:endParaRPr lang="es-CL"/>
@@ -1749,35 +1750,35 @@
           <a:p>
             <a:pPr lvl="0"/>
             <a:r>
-              <a:rPr lang="es-ES" smtClean="0"/>
+              <a:rPr lang="es-ES"/>
               <a:t>Haga clic para modificar el estilo de texto del patrón</a:t>
             </a:r>
           </a:p>
           <a:p>
             <a:pPr lvl="1"/>
             <a:r>
-              <a:rPr lang="es-ES" smtClean="0"/>
+              <a:rPr lang="es-ES"/>
               <a:t>Segundo nivel</a:t>
             </a:r>
           </a:p>
           <a:p>
             <a:pPr lvl="2"/>
             <a:r>
-              <a:rPr lang="es-ES" smtClean="0"/>
+              <a:rPr lang="es-ES"/>
               <a:t>Tercer nivel</a:t>
             </a:r>
           </a:p>
           <a:p>
             <a:pPr lvl="3"/>
             <a:r>
-              <a:rPr lang="es-ES" smtClean="0"/>
+              <a:rPr lang="es-ES"/>
               <a:t>Cuarto nivel</a:t>
             </a:r>
           </a:p>
           <a:p>
             <a:pPr lvl="4"/>
             <a:r>
-              <a:rPr lang="es-ES" smtClean="0"/>
+              <a:rPr lang="es-ES"/>
               <a:t>Quinto nivel</a:t>
             </a:r>
             <a:endParaRPr lang="es-CL"/>
@@ -1802,7 +1803,7 @@
             <a:fld id="{CBB330BB-3945-4562-998B-13630C30D4E7}" type="datetimeFigureOut">
               <a:rPr lang="es-CL" smtClean="0"/>
               <a:pPr/>
-              <a:t>19-03-19</a:t>
+              <a:t>24-03-21</a:t>
             </a:fld>
             <a:endParaRPr lang="es-CL"/>
           </a:p>
@@ -1896,7 +1897,7 @@
           </a:lstStyle>
           <a:p>
             <a:r>
-              <a:rPr lang="es-ES" smtClean="0"/>
+              <a:rPr lang="es-ES"/>
               <a:t>Haga clic para modificar el estilo de título del patrón</a:t>
             </a:r>
             <a:endParaRPr lang="es-CL"/>
@@ -1962,7 +1963,7 @@
           <a:p>
             <a:pPr lvl="0"/>
             <a:r>
-              <a:rPr lang="es-ES" smtClean="0"/>
+              <a:rPr lang="es-ES"/>
               <a:t>Haga clic para modificar el estilo de texto del patrón</a:t>
             </a:r>
           </a:p>
@@ -2018,35 +2019,35 @@
           <a:p>
             <a:pPr lvl="0"/>
             <a:r>
-              <a:rPr lang="es-ES" smtClean="0"/>
+              <a:rPr lang="es-ES"/>
               <a:t>Haga clic para modificar el estilo de texto del patrón</a:t>
             </a:r>
           </a:p>
           <a:p>
             <a:pPr lvl="1"/>
             <a:r>
-              <a:rPr lang="es-ES" smtClean="0"/>
+              <a:rPr lang="es-ES"/>
               <a:t>Segundo nivel</a:t>
             </a:r>
           </a:p>
           <a:p>
             <a:pPr lvl="2"/>
             <a:r>
-              <a:rPr lang="es-ES" smtClean="0"/>
+              <a:rPr lang="es-ES"/>
               <a:t>Tercer nivel</a:t>
             </a:r>
           </a:p>
           <a:p>
             <a:pPr lvl="3"/>
             <a:r>
-              <a:rPr lang="es-ES" smtClean="0"/>
+              <a:rPr lang="es-ES"/>
               <a:t>Cuarto nivel</a:t>
             </a:r>
           </a:p>
           <a:p>
             <a:pPr lvl="4"/>
             <a:r>
-              <a:rPr lang="es-ES" smtClean="0"/>
+              <a:rPr lang="es-ES"/>
               <a:t>Quinto nivel</a:t>
             </a:r>
             <a:endParaRPr lang="es-CL"/>
@@ -2112,7 +2113,7 @@
           <a:p>
             <a:pPr lvl="0"/>
             <a:r>
-              <a:rPr lang="es-ES" smtClean="0"/>
+              <a:rPr lang="es-ES"/>
               <a:t>Haga clic para modificar el estilo de texto del patrón</a:t>
             </a:r>
           </a:p>
@@ -2168,35 +2169,35 @@
           <a:p>
             <a:pPr lvl="0"/>
             <a:r>
-              <a:rPr lang="es-ES" smtClean="0"/>
+              <a:rPr lang="es-ES"/>
               <a:t>Haga clic para modificar el estilo de texto del patrón</a:t>
             </a:r>
           </a:p>
           <a:p>
             <a:pPr lvl="1"/>
             <a:r>
-              <a:rPr lang="es-ES" smtClean="0"/>
+              <a:rPr lang="es-ES"/>
               <a:t>Segundo nivel</a:t>
             </a:r>
           </a:p>
           <a:p>
             <a:pPr lvl="2"/>
             <a:r>
-              <a:rPr lang="es-ES" smtClean="0"/>
+              <a:rPr lang="es-ES"/>
               <a:t>Tercer nivel</a:t>
             </a:r>
           </a:p>
           <a:p>
             <a:pPr lvl="3"/>
             <a:r>
-              <a:rPr lang="es-ES" smtClean="0"/>
+              <a:rPr lang="es-ES"/>
               <a:t>Cuarto nivel</a:t>
             </a:r>
           </a:p>
           <a:p>
             <a:pPr lvl="4"/>
             <a:r>
-              <a:rPr lang="es-ES" smtClean="0"/>
+              <a:rPr lang="es-ES"/>
               <a:t>Quinto nivel</a:t>
             </a:r>
             <a:endParaRPr lang="es-CL"/>
@@ -2221,7 +2222,7 @@
             <a:fld id="{CBB330BB-3945-4562-998B-13630C30D4E7}" type="datetimeFigureOut">
               <a:rPr lang="es-CL" smtClean="0"/>
               <a:pPr/>
-              <a:t>19-03-19</a:t>
+              <a:t>24-03-21</a:t>
             </a:fld>
             <a:endParaRPr lang="es-CL"/>
           </a:p>
@@ -2311,7 +2312,7 @@
           <a:lstStyle/>
           <a:p>
             <a:r>
-              <a:rPr lang="es-ES" smtClean="0"/>
+              <a:rPr lang="es-ES"/>
               <a:t>Haga clic para modificar el estilo de título del patrón</a:t>
             </a:r>
             <a:endParaRPr lang="es-CL"/>
@@ -2336,7 +2337,7 @@
             <a:fld id="{CBB330BB-3945-4562-998B-13630C30D4E7}" type="datetimeFigureOut">
               <a:rPr lang="es-CL" smtClean="0"/>
               <a:pPr/>
-              <a:t>19-03-19</a:t>
+              <a:t>24-03-21</a:t>
             </a:fld>
             <a:endParaRPr lang="es-CL"/>
           </a:p>
@@ -2428,7 +2429,7 @@
             <a:fld id="{CBB330BB-3945-4562-998B-13630C30D4E7}" type="datetimeFigureOut">
               <a:rPr lang="es-CL" smtClean="0"/>
               <a:pPr/>
-              <a:t>19-03-19</a:t>
+              <a:t>24-03-21</a:t>
             </a:fld>
             <a:endParaRPr lang="es-CL"/>
           </a:p>
@@ -2527,7 +2528,7 @@
           </a:lstStyle>
           <a:p>
             <a:r>
-              <a:rPr lang="es-ES" smtClean="0"/>
+              <a:rPr lang="es-ES"/>
               <a:t>Haga clic para modificar el estilo de título del patrón</a:t>
             </a:r>
             <a:endParaRPr lang="es-CL"/>
@@ -2584,35 +2585,35 @@
           <a:p>
             <a:pPr lvl="0"/>
             <a:r>
-              <a:rPr lang="es-ES" smtClean="0"/>
+              <a:rPr lang="es-ES"/>
               <a:t>Haga clic para modificar el estilo de texto del patrón</a:t>
             </a:r>
           </a:p>
           <a:p>
             <a:pPr lvl="1"/>
             <a:r>
-              <a:rPr lang="es-ES" smtClean="0"/>
+              <a:rPr lang="es-ES"/>
               <a:t>Segundo nivel</a:t>
             </a:r>
           </a:p>
           <a:p>
             <a:pPr lvl="2"/>
             <a:r>
-              <a:rPr lang="es-ES" smtClean="0"/>
+              <a:rPr lang="es-ES"/>
               <a:t>Tercer nivel</a:t>
             </a:r>
           </a:p>
           <a:p>
             <a:pPr lvl="3"/>
             <a:r>
-              <a:rPr lang="es-ES" smtClean="0"/>
+              <a:rPr lang="es-ES"/>
               <a:t>Cuarto nivel</a:t>
             </a:r>
           </a:p>
           <a:p>
             <a:pPr lvl="4"/>
             <a:r>
-              <a:rPr lang="es-ES" smtClean="0"/>
+              <a:rPr lang="es-ES"/>
               <a:t>Quinto nivel</a:t>
             </a:r>
             <a:endParaRPr lang="es-CL"/>
@@ -2678,7 +2679,7 @@
           <a:p>
             <a:pPr lvl="0"/>
             <a:r>
-              <a:rPr lang="es-ES" smtClean="0"/>
+              <a:rPr lang="es-ES"/>
               <a:t>Haga clic para modificar el estilo de texto del patrón</a:t>
             </a:r>
           </a:p>
@@ -2702,7 +2703,7 @@
             <a:fld id="{CBB330BB-3945-4562-998B-13630C30D4E7}" type="datetimeFigureOut">
               <a:rPr lang="es-CL" smtClean="0"/>
               <a:pPr/>
-              <a:t>19-03-19</a:t>
+              <a:t>24-03-21</a:t>
             </a:fld>
             <a:endParaRPr lang="es-CL"/>
           </a:p>
@@ -2801,7 +2802,7 @@
           </a:lstStyle>
           <a:p>
             <a:r>
-              <a:rPr lang="es-ES" smtClean="0"/>
+              <a:rPr lang="es-ES"/>
               <a:t>Haga clic para modificar el estilo de título del patrón</a:t>
             </a:r>
             <a:endParaRPr lang="es-CL"/>
@@ -2928,7 +2929,7 @@
           <a:p>
             <a:pPr lvl="0"/>
             <a:r>
-              <a:rPr lang="es-ES" smtClean="0"/>
+              <a:rPr lang="es-ES"/>
               <a:t>Haga clic para modificar el estilo de texto del patrón</a:t>
             </a:r>
           </a:p>
@@ -2952,7 +2953,7 @@
             <a:fld id="{CBB330BB-3945-4562-998B-13630C30D4E7}" type="datetimeFigureOut">
               <a:rPr lang="es-CL" smtClean="0"/>
               <a:pPr/>
-              <a:t>19-03-19</a:t>
+              <a:t>24-03-21</a:t>
             </a:fld>
             <a:endParaRPr lang="es-CL"/>
           </a:p>
@@ -3057,7 +3058,7 @@
           <a:lstStyle/>
           <a:p>
             <a:r>
-              <a:rPr lang="es-ES" smtClean="0"/>
+              <a:rPr lang="es-ES"/>
               <a:t>Haga clic para modificar el estilo de título del patrón</a:t>
             </a:r>
             <a:endParaRPr lang="es-CL"/>
@@ -3091,35 +3092,35 @@
           <a:p>
             <a:pPr lvl="0"/>
             <a:r>
-              <a:rPr lang="es-ES" smtClean="0"/>
+              <a:rPr lang="es-ES"/>
               <a:t>Haga clic para modificar el estilo de texto del patrón</a:t>
             </a:r>
           </a:p>
           <a:p>
             <a:pPr lvl="1"/>
             <a:r>
-              <a:rPr lang="es-ES" smtClean="0"/>
+              <a:rPr lang="es-ES"/>
               <a:t>Segundo nivel</a:t>
             </a:r>
           </a:p>
           <a:p>
             <a:pPr lvl="2"/>
             <a:r>
-              <a:rPr lang="es-ES" smtClean="0"/>
+              <a:rPr lang="es-ES"/>
               <a:t>Tercer nivel</a:t>
             </a:r>
           </a:p>
           <a:p>
             <a:pPr lvl="3"/>
             <a:r>
-              <a:rPr lang="es-ES" smtClean="0"/>
+              <a:rPr lang="es-ES"/>
               <a:t>Cuarto nivel</a:t>
             </a:r>
           </a:p>
           <a:p>
             <a:pPr lvl="4"/>
             <a:r>
-              <a:rPr lang="es-ES" smtClean="0"/>
+              <a:rPr lang="es-ES"/>
               <a:t>Quinto nivel</a:t>
             </a:r>
             <a:endParaRPr lang="es-CL"/>
@@ -3162,7 +3163,7 @@
             <a:fld id="{CBB330BB-3945-4562-998B-13630C30D4E7}" type="datetimeFigureOut">
               <a:rPr lang="es-CL" smtClean="0"/>
               <a:pPr/>
-              <a:t>19-03-19</a:t>
+              <a:t>24-03-21</a:t>
             </a:fld>
             <a:endParaRPr lang="es-CL"/>
           </a:p>
@@ -3573,7 +3574,7 @@
           <a:p>
             <a:pPr algn="ctr"/>
             <a:r>
-              <a:rPr lang="es-CL" sz="2400" dirty="0" smtClean="0">
+              <a:rPr lang="es-CL" sz="2400" dirty="0">
                 <a:solidFill>
                   <a:srgbClr val="FF0000"/>
                 </a:solidFill>
@@ -3582,7 +3583,7 @@
               <a:t>R</a:t>
             </a:r>
             <a:r>
-              <a:rPr lang="es-CL" sz="2400" dirty="0" smtClean="0">
+              <a:rPr lang="es-CL" sz="2400" dirty="0">
                 <a:solidFill>
                   <a:srgbClr val="3366FF"/>
                 </a:solidFill>
@@ -3591,7 +3592,7 @@
               <a:t>e</a:t>
             </a:r>
             <a:r>
-              <a:rPr lang="es-CL" sz="2400" dirty="0" smtClean="0">
+              <a:rPr lang="es-CL" sz="2400" dirty="0">
                 <a:solidFill>
                   <a:srgbClr val="FFFF00"/>
                 </a:solidFill>
@@ -3600,7 +3601,7 @@
               <a:t>c</a:t>
             </a:r>
             <a:r>
-              <a:rPr lang="es-CL" sz="2400" dirty="0" smtClean="0">
+              <a:rPr lang="es-CL" sz="2400" dirty="0">
                 <a:solidFill>
                   <a:srgbClr val="00FF00"/>
                 </a:solidFill>
@@ -3609,7 +3610,7 @@
               <a:t>o</a:t>
             </a:r>
             <a:r>
-              <a:rPr lang="es-CL" sz="2400" dirty="0" smtClean="0">
+              <a:rPr lang="es-CL" sz="2400" dirty="0">
                 <a:solidFill>
                   <a:schemeClr val="bg1"/>
                 </a:solidFill>
@@ -3618,7 +3619,7 @@
               <a:t>n</a:t>
             </a:r>
             <a:r>
-              <a:rPr lang="es-CL" sz="2400" dirty="0" smtClean="0">
+              <a:rPr lang="es-CL" sz="2400" dirty="0">
                 <a:solidFill>
                   <a:srgbClr val="FF6600"/>
                 </a:solidFill>
@@ -3627,7 +3628,7 @@
               <a:t>o</a:t>
             </a:r>
             <a:r>
-              <a:rPr lang="es-CL" sz="2400" dirty="0" smtClean="0">
+              <a:rPr lang="es-CL" sz="2400" dirty="0">
                 <a:solidFill>
                   <a:srgbClr val="FF0000"/>
                 </a:solidFill>
@@ -3636,7 +3637,7 @@
               <a:t>c</a:t>
             </a:r>
             <a:r>
-              <a:rPr lang="es-CL" sz="2400" dirty="0" smtClean="0">
+              <a:rPr lang="es-CL" sz="2400" dirty="0">
                 <a:solidFill>
                   <a:srgbClr val="3366FF"/>
                 </a:solidFill>
@@ -3645,7 +3646,7 @@
               <a:t>i</a:t>
             </a:r>
             <a:r>
-              <a:rPr lang="es-CL" sz="2400" dirty="0" smtClean="0">
+              <a:rPr lang="es-CL" sz="2400" dirty="0">
                 <a:solidFill>
                   <a:schemeClr val="bg1"/>
                 </a:solidFill>
@@ -3654,7 +3655,7 @@
               <a:t>m</a:t>
             </a:r>
             <a:r>
-              <a:rPr lang="es-CL" sz="2400" dirty="0" smtClean="0">
+              <a:rPr lang="es-CL" sz="2400" dirty="0">
                 <a:solidFill>
                   <a:srgbClr val="FFFF00"/>
                 </a:solidFill>
@@ -3663,7 +3664,7 @@
               <a:t>i</a:t>
             </a:r>
             <a:r>
-              <a:rPr lang="es-CL" sz="2400" dirty="0" smtClean="0">
+              <a:rPr lang="es-CL" sz="2400" dirty="0">
                 <a:solidFill>
                   <a:srgbClr val="00FF00"/>
                 </a:solidFill>
@@ -3672,7 +3673,7 @@
               <a:t>e</a:t>
             </a:r>
             <a:r>
-              <a:rPr lang="es-CL" sz="2400" dirty="0" smtClean="0">
+              <a:rPr lang="es-CL" sz="2400" dirty="0">
                 <a:solidFill>
                   <a:schemeClr val="bg1"/>
                 </a:solidFill>
@@ -3681,7 +3682,7 @@
               <a:t>n</a:t>
             </a:r>
             <a:r>
-              <a:rPr lang="es-CL" sz="2400" dirty="0" smtClean="0">
+              <a:rPr lang="es-CL" sz="2400" dirty="0">
                 <a:solidFill>
                   <a:srgbClr val="FF6600"/>
                 </a:solidFill>
@@ -3690,7 +3691,7 @@
               <a:t>t</a:t>
             </a:r>
             <a:r>
-              <a:rPr lang="es-CL" sz="2400" dirty="0" smtClean="0">
+              <a:rPr lang="es-CL" sz="2400" dirty="0">
                 <a:solidFill>
                   <a:srgbClr val="FF0000"/>
                 </a:solidFill>
@@ -3699,7 +3700,7 @@
               <a:t>o</a:t>
             </a:r>
             <a:r>
-              <a:rPr lang="es-CL" sz="2400" dirty="0" smtClean="0">
+              <a:rPr lang="es-CL" sz="2400" dirty="0">
                 <a:solidFill>
                   <a:srgbClr val="3333CC"/>
                 </a:solidFill>
@@ -3708,7 +3709,7 @@
               <a:t> </a:t>
             </a:r>
             <a:r>
-              <a:rPr lang="es-CL" sz="2400" dirty="0" smtClean="0">
+              <a:rPr lang="es-CL" sz="2400" dirty="0">
                 <a:solidFill>
                   <a:srgbClr val="3366FF"/>
                 </a:solidFill>
@@ -3717,7 +3718,7 @@
               <a:t>d</a:t>
             </a:r>
             <a:r>
-              <a:rPr lang="es-CL" sz="2400" dirty="0" smtClean="0">
+              <a:rPr lang="es-CL" sz="2400" dirty="0">
                 <a:solidFill>
                   <a:srgbClr val="FFFF00"/>
                 </a:solidFill>
@@ -3726,7 +3727,7 @@
               <a:t>e </a:t>
             </a:r>
             <a:r>
-              <a:rPr lang="es-CL" sz="2400" dirty="0" smtClean="0">
+              <a:rPr lang="es-CL" sz="2400" dirty="0">
                 <a:solidFill>
                   <a:srgbClr val="00FF00"/>
                 </a:solidFill>
@@ -3735,7 +3736,7 @@
               <a:t>P</a:t>
             </a:r>
             <a:r>
-              <a:rPr lang="es-CL" sz="2400" dirty="0" smtClean="0">
+              <a:rPr lang="es-CL" sz="2400" dirty="0">
                 <a:solidFill>
                   <a:schemeClr val="bg1"/>
                 </a:solidFill>
@@ -3744,7 +3745,7 @@
               <a:t>a</a:t>
             </a:r>
             <a:r>
-              <a:rPr lang="es-CL" sz="2400" dirty="0" smtClean="0">
+              <a:rPr lang="es-CL" sz="2400" dirty="0">
                 <a:solidFill>
                   <a:srgbClr val="FF6600"/>
                 </a:solidFill>
@@ -3753,7 +3754,7 @@
               <a:t>t</a:t>
             </a:r>
             <a:r>
-              <a:rPr lang="es-CL" sz="2400" dirty="0" smtClean="0">
+              <a:rPr lang="es-CL" sz="2400" dirty="0">
                 <a:solidFill>
                   <a:srgbClr val="FF0000"/>
                 </a:solidFill>
@@ -3762,7 +3763,7 @@
               <a:t>r</a:t>
             </a:r>
             <a:r>
-              <a:rPr lang="es-CL" sz="2400" dirty="0" smtClean="0">
+              <a:rPr lang="es-CL" sz="2400" dirty="0">
                 <a:solidFill>
                   <a:srgbClr val="3366FF"/>
                 </a:solidFill>
@@ -3771,7 +3772,7 @@
               <a:t>o</a:t>
             </a:r>
             <a:r>
-              <a:rPr lang="es-CL" sz="2400" dirty="0" smtClean="0">
+              <a:rPr lang="es-CL" sz="2400" dirty="0">
                 <a:solidFill>
                   <a:srgbClr val="FFFF00"/>
                 </a:solidFill>
@@ -3780,7 +3781,7 @@
               <a:t>n</a:t>
             </a:r>
             <a:r>
-              <a:rPr lang="es-CL" sz="2400" dirty="0" smtClean="0">
+              <a:rPr lang="es-CL" sz="2400" dirty="0">
                 <a:solidFill>
                   <a:srgbClr val="00FF00"/>
                 </a:solidFill>
@@ -3789,7 +3790,7 @@
               <a:t>e</a:t>
             </a:r>
             <a:r>
-              <a:rPr lang="es-CL" sz="2400" dirty="0" smtClean="0">
+              <a:rPr lang="es-CL" sz="2400" dirty="0">
                 <a:solidFill>
                   <a:schemeClr val="bg1"/>
                 </a:solidFill>
@@ -3797,7 +3798,7 @@
               </a:rPr>
               <a:t>s</a:t>
             </a:r>
-            <a:endParaRPr lang="es-CL" sz="2400" dirty="0" smtClean="0">
+            <a:endParaRPr lang="es-CL" sz="2400" dirty="0">
               <a:solidFill>
                 <a:srgbClr val="FF0000"/>
               </a:solidFill>
@@ -3807,7 +3808,7 @@
           <a:p>
             <a:pPr algn="ctr"/>
             <a:r>
-              <a:rPr lang="es-CL" sz="2400" dirty="0" smtClean="0">
+              <a:rPr lang="es-CL" sz="2400" dirty="0">
                 <a:solidFill>
                   <a:schemeClr val="bg2">
                     <a:lumMod val="60000"/>
@@ -3818,19 +3819,10 @@
               </a:rPr>
               <a:t> </a:t>
             </a:r>
+          </a:p>
+          <a:p>
+            <a:pPr algn="ctr"/>
             <a:endParaRPr lang="es-CL" sz="2400" dirty="0">
-              <a:solidFill>
-                <a:schemeClr val="bg2">
-                  <a:lumMod val="60000"/>
-                  <a:lumOff val="40000"/>
-                </a:schemeClr>
-              </a:solidFill>
-              <a:latin typeface="Trebuchet MS" pitchFamily="34" charset="0"/>
-            </a:endParaRPr>
-          </a:p>
-          <a:p>
-            <a:pPr algn="ctr"/>
-            <a:endParaRPr lang="es-CL" sz="2400" dirty="0" smtClean="0">
               <a:solidFill>
                 <a:srgbClr val="3333CC"/>
               </a:solidFill>
@@ -3901,7 +3893,7 @@
           <a:p>
             <a:pPr algn="ctr"/>
             <a:r>
-              <a:rPr lang="es-CL" sz="1200" dirty="0" smtClean="0">
+              <a:rPr lang="es-CL" sz="1200" dirty="0">
                 <a:solidFill>
                   <a:schemeClr val="bg1">
                     <a:lumMod val="75000"/>
@@ -3911,19 +3903,11 @@
               </a:rPr>
               <a:t>Departmento de Ciencia de la Computación</a:t>
             </a:r>
-            <a:endParaRPr lang="es-CL" sz="1200" dirty="0">
-              <a:solidFill>
-                <a:schemeClr val="bg1">
-                  <a:lumMod val="75000"/>
-                </a:schemeClr>
-              </a:solidFill>
-              <a:latin typeface="Trebuchet MS" pitchFamily="34" charset="0"/>
-            </a:endParaRPr>
           </a:p>
           <a:p>
             <a:pPr algn="ctr"/>
             <a:r>
-              <a:rPr lang="es-CL" sz="1200" dirty="0" smtClean="0">
+              <a:rPr lang="es-CL" sz="1200" dirty="0">
                 <a:solidFill>
                   <a:schemeClr val="bg1">
                     <a:lumMod val="75000"/>
@@ -3937,7 +3921,7 @@
           <a:p>
             <a:pPr algn="ctr"/>
             <a:r>
-              <a:rPr lang="es-CL" sz="1200" dirty="0" smtClean="0">
+              <a:rPr lang="es-CL" sz="1200" dirty="0">
                 <a:solidFill>
                   <a:schemeClr val="bg1">
                     <a:lumMod val="75000"/>
@@ -3947,14 +3931,6 @@
               </a:rPr>
               <a:t>Universidad Católica de Chile</a:t>
             </a:r>
-            <a:endParaRPr lang="es-CL" sz="1200" dirty="0">
-              <a:solidFill>
-                <a:schemeClr val="bg1">
-                  <a:lumMod val="75000"/>
-                </a:schemeClr>
-              </a:solidFill>
-              <a:latin typeface="Trebuchet MS" pitchFamily="34" charset="0"/>
-            </a:endParaRPr>
           </a:p>
           <a:p>
             <a:pPr algn="ctr"/>
@@ -4258,7 +4234,7 @@
           <a:p>
             <a:pPr algn="ctr"/>
             <a:r>
-              <a:rPr lang="es-CL" sz="2400" b="1" dirty="0" smtClean="0">
+              <a:rPr lang="es-CL" sz="2400" b="1" dirty="0">
                 <a:solidFill>
                   <a:srgbClr val="FFFFFF"/>
                 </a:solidFill>
@@ -4270,7 +4246,7 @@
           </a:p>
           <a:p>
             <a:pPr algn="ctr"/>
-            <a:endParaRPr lang="es-CL" sz="1000" dirty="0" smtClean="0">
+            <a:endParaRPr lang="es-CL" sz="1000" dirty="0">
               <a:solidFill>
                 <a:srgbClr val="FFFFFF"/>
               </a:solidFill>
@@ -4281,7 +4257,7 @@
           <a:p>
             <a:pPr algn="ctr"/>
             <a:r>
-              <a:rPr lang="es-CL" sz="1000" dirty="0" smtClean="0">
+              <a:rPr lang="es-CL" sz="1000" dirty="0">
                 <a:solidFill>
                   <a:srgbClr val="FFFFFF"/>
                 </a:solidFill>
@@ -4847,16 +4823,12 @@
           <a:lstStyle/>
           <a:p>
             <a:r>
-              <a:rPr lang="en-US" sz="3600" b="1" dirty="0" smtClean="0">
+              <a:rPr lang="en-US" sz="3600" b="1" dirty="0">
                 <a:latin typeface="Trebuchet MS"/>
                 <a:cs typeface="Trebuchet MS"/>
               </a:rPr>
               <a:t>Hu - Moments</a:t>
             </a:r>
-            <a:endParaRPr lang="en-US" sz="3600" b="1" dirty="0">
-              <a:latin typeface="Trebuchet MS"/>
-              <a:cs typeface="Trebuchet MS"/>
-            </a:endParaRPr>
           </a:p>
         </p:txBody>
       </p:sp>
@@ -4884,62 +4856,62 @@
           </a:bodyPr>
           <a:lstStyle/>
           <a:p>
-            <a:endParaRPr lang="en-US" sz="2400" dirty="0" smtClean="0">
+            <a:endParaRPr lang="en-US" sz="2400" dirty="0">
               <a:latin typeface="Trebuchet MS"/>
               <a:cs typeface="Trebuchet MS"/>
             </a:endParaRPr>
           </a:p>
           <a:p>
             <a:r>
-              <a:rPr lang="en-US" sz="2400" dirty="0" smtClean="0">
+              <a:rPr lang="en-US" sz="2400" dirty="0">
                 <a:latin typeface="Trebuchet MS"/>
                 <a:cs typeface="Trebuchet MS"/>
               </a:rPr>
               <a:t>They have similar Φ</a:t>
             </a:r>
             <a:r>
-              <a:rPr lang="en-US" sz="2400" baseline="-25000" dirty="0" smtClean="0">
+              <a:rPr lang="en-US" sz="2400" baseline="-25000" dirty="0">
                 <a:latin typeface="Trebuchet MS"/>
                 <a:cs typeface="Trebuchet MS"/>
               </a:rPr>
               <a:t>1</a:t>
             </a:r>
             <a:r>
-              <a:rPr lang="en-US" sz="2400" dirty="0" smtClean="0">
+              <a:rPr lang="en-US" sz="2400" dirty="0">
                 <a:latin typeface="Trebuchet MS"/>
                 <a:cs typeface="Trebuchet MS"/>
               </a:rPr>
               <a:t>, Φ</a:t>
             </a:r>
             <a:r>
-              <a:rPr lang="en-US" sz="2400" baseline="-25000" dirty="0" smtClean="0">
+              <a:rPr lang="en-US" sz="2400" baseline="-25000" dirty="0">
                 <a:latin typeface="Trebuchet MS"/>
                 <a:cs typeface="Trebuchet MS"/>
               </a:rPr>
               <a:t>2</a:t>
             </a:r>
             <a:r>
-              <a:rPr lang="en-US" sz="2400" dirty="0" smtClean="0">
+              <a:rPr lang="en-US" sz="2400" dirty="0">
                 <a:latin typeface="Trebuchet MS"/>
                 <a:cs typeface="Trebuchet MS"/>
               </a:rPr>
               <a:t>, … Φ</a:t>
             </a:r>
             <a:r>
-              <a:rPr lang="en-US" sz="2400" baseline="-25000" dirty="0" smtClean="0">
+              <a:rPr lang="en-US" sz="2400" baseline="-25000" dirty="0">
                 <a:latin typeface="Trebuchet MS"/>
                 <a:cs typeface="Trebuchet MS"/>
               </a:rPr>
               <a:t>7</a:t>
             </a:r>
             <a:r>
-              <a:rPr lang="en-US" sz="2400" dirty="0" smtClean="0">
+              <a:rPr lang="en-US" sz="2400" dirty="0">
                 <a:latin typeface="Trebuchet MS"/>
                 <a:cs typeface="Trebuchet MS"/>
               </a:rPr>
               <a:t>. </a:t>
             </a:r>
-            <a:endParaRPr lang="en-US" sz="2400" dirty="0" smtClean="0">
+            <a:endParaRPr lang="en-US" sz="2400" dirty="0">
               <a:latin typeface="LM Roman 10 Regular"/>
               <a:cs typeface="LM Roman 10 Regular"/>
             </a:endParaRPr>
@@ -5742,7 +5714,7 @@
           </a:bodyPr>
           <a:lstStyle/>
           <a:p>
-            <a:endParaRPr lang="en-US" sz="2400" dirty="0" smtClean="0">
+            <a:endParaRPr lang="en-US" sz="2400" dirty="0">
               <a:solidFill>
                 <a:srgbClr val="3366FF"/>
               </a:solidFill>
@@ -5752,54 +5724,6 @@
           </a:p>
           <a:p>
             <a:r>
-              <a:rPr lang="en-US" sz="2400" dirty="0" smtClean="0">
-                <a:solidFill>
-                  <a:srgbClr val="3366FF"/>
-                </a:solidFill>
-                <a:latin typeface="Trebuchet MS"/>
-                <a:cs typeface="Trebuchet MS"/>
-              </a:rPr>
-              <a:t>They are invariant against: </a:t>
-            </a:r>
-          </a:p>
-          <a:p>
-            <a:pPr marL="742950" lvl="1" indent="-285750">
-              <a:buFont typeface="Arial"/>
-              <a:buChar char="•"/>
-            </a:pPr>
-            <a:r>
-              <a:rPr lang="en-US" sz="2400" dirty="0" smtClean="0">
-                <a:solidFill>
-                  <a:srgbClr val="3366FF"/>
-                </a:solidFill>
-                <a:latin typeface="Trebuchet MS"/>
-                <a:cs typeface="Trebuchet MS"/>
-              </a:rPr>
-              <a:t>scale, </a:t>
-            </a:r>
-          </a:p>
-          <a:p>
-            <a:pPr marL="742950" lvl="1" indent="-285750">
-              <a:buFont typeface="Arial"/>
-              <a:buChar char="•"/>
-            </a:pPr>
-            <a:r>
-              <a:rPr lang="en-US" sz="2400" dirty="0" smtClean="0">
-                <a:solidFill>
-                  <a:srgbClr val="3366FF"/>
-                </a:solidFill>
-                <a:latin typeface="Trebuchet MS"/>
-                <a:cs typeface="Trebuchet MS"/>
-              </a:rPr>
-              <a:t>rotation and </a:t>
-            </a:r>
-          </a:p>
-          <a:p>
-            <a:pPr marL="742950" lvl="1" indent="-285750">
-              <a:buFont typeface="Arial"/>
-              <a:buChar char="•"/>
-            </a:pPr>
-            <a:r>
               <a:rPr lang="en-US" sz="2400" dirty="0">
                 <a:solidFill>
                   <a:srgbClr val="3366FF"/>
@@ -5807,17 +5731,55 @@
                 <a:latin typeface="Trebuchet MS"/>
                 <a:cs typeface="Trebuchet MS"/>
               </a:rPr>
-              <a:t>l</a:t>
-            </a:r>
-            <a:r>
-              <a:rPr lang="en-US" sz="2400" dirty="0" smtClean="0">
+              <a:t>They are invariant against: </a:t>
+            </a:r>
+          </a:p>
+          <a:p>
+            <a:pPr marL="742950" lvl="1" indent="-285750">
+              <a:buFont typeface="Arial"/>
+              <a:buChar char="•"/>
+            </a:pPr>
+            <a:r>
+              <a:rPr lang="en-US" sz="2400" dirty="0">
                 <a:solidFill>
                   <a:srgbClr val="3366FF"/>
                 </a:solidFill>
                 <a:latin typeface="Trebuchet MS"/>
                 <a:cs typeface="Trebuchet MS"/>
               </a:rPr>
-              <a:t>ocation</a:t>
+              <a:t>scale, </a:t>
+            </a:r>
+          </a:p>
+          <a:p>
+            <a:pPr marL="742950" lvl="1" indent="-285750">
+              <a:buFont typeface="Arial"/>
+              <a:buChar char="•"/>
+            </a:pPr>
+            <a:r>
+              <a:rPr lang="en-US" sz="2400" dirty="0">
+                <a:solidFill>
+                  <a:srgbClr val="3366FF"/>
+                </a:solidFill>
+                <a:latin typeface="Trebuchet MS"/>
+                <a:cs typeface="Trebuchet MS"/>
+              </a:rPr>
+              <a:t>rotation and </a:t>
+            </a:r>
+          </a:p>
+          <a:p>
+            <a:pPr marL="742950" lvl="1" indent="-285750">
+              <a:buFont typeface="Arial"/>
+              <a:buChar char="•"/>
+            </a:pPr>
+            <a:r>
+              <a:rPr lang="en-US" sz="2400" dirty="0">
+                <a:solidFill>
+                  <a:srgbClr val="3366FF"/>
+                </a:solidFill>
+                <a:latin typeface="Trebuchet MS"/>
+                <a:cs typeface="Trebuchet MS"/>
+              </a:rPr>
+              <a:t>location</a:t>
             </a:r>
           </a:p>
           <a:p>
@@ -5825,7 +5787,7 @@
               <a:buFont typeface="Arial"/>
               <a:buChar char="•"/>
             </a:pPr>
-            <a:endParaRPr lang="en-US" sz="2400" dirty="0" smtClean="0">
+            <a:endParaRPr lang="en-US" sz="2400" dirty="0">
               <a:solidFill>
                 <a:srgbClr val="3366FF"/>
               </a:solidFill>
@@ -6000,16 +5962,12 @@
           <a:lstStyle/>
           <a:p>
             <a:r>
-              <a:rPr lang="en-US" sz="3600" b="1" dirty="0" smtClean="0">
+              <a:rPr lang="en-US" sz="3600" b="1" dirty="0">
                 <a:latin typeface="Trebuchet MS"/>
                 <a:cs typeface="Trebuchet MS"/>
               </a:rPr>
               <a:t>Hu - Moments</a:t>
             </a:r>
-            <a:endParaRPr lang="en-US" sz="3600" b="1" dirty="0">
-              <a:latin typeface="Trebuchet MS"/>
-              <a:cs typeface="Trebuchet MS"/>
-            </a:endParaRPr>
           </a:p>
         </p:txBody>
       </p:sp>
@@ -7208,55 +7166,55 @@
           <a:lstStyle/>
           <a:p>
             <a:r>
-              <a:rPr lang="en-US" sz="2400" dirty="0" smtClean="0">
+              <a:rPr lang="en-US" sz="2400" dirty="0">
                 <a:latin typeface="Trebuchet MS"/>
                 <a:cs typeface="Trebuchet MS"/>
               </a:rPr>
               <a:t>They have different Φ</a:t>
             </a:r>
             <a:r>
-              <a:rPr lang="en-US" sz="2400" baseline="-25000" dirty="0" smtClean="0">
+              <a:rPr lang="en-US" sz="2400" baseline="-25000" dirty="0">
                 <a:latin typeface="Trebuchet MS"/>
                 <a:cs typeface="Trebuchet MS"/>
               </a:rPr>
               <a:t>1</a:t>
             </a:r>
             <a:r>
-              <a:rPr lang="en-US" sz="2400" dirty="0" smtClean="0">
+              <a:rPr lang="en-US" sz="2400" dirty="0">
                 <a:latin typeface="Trebuchet MS"/>
                 <a:cs typeface="Trebuchet MS"/>
               </a:rPr>
               <a:t>, Φ</a:t>
             </a:r>
             <a:r>
-              <a:rPr lang="en-US" sz="2400" baseline="-25000" dirty="0" smtClean="0">
+              <a:rPr lang="en-US" sz="2400" baseline="-25000" dirty="0">
                 <a:latin typeface="Trebuchet MS"/>
                 <a:cs typeface="Trebuchet MS"/>
               </a:rPr>
               <a:t>2</a:t>
             </a:r>
             <a:r>
-              <a:rPr lang="en-US" sz="2400" dirty="0" smtClean="0">
+              <a:rPr lang="en-US" sz="2400" dirty="0">
                 <a:latin typeface="Trebuchet MS"/>
                 <a:cs typeface="Trebuchet MS"/>
               </a:rPr>
               <a:t>, … Φ</a:t>
             </a:r>
             <a:r>
-              <a:rPr lang="en-US" sz="2400" baseline="-25000" dirty="0" smtClean="0">
+              <a:rPr lang="en-US" sz="2400" baseline="-25000" dirty="0">
                 <a:latin typeface="Trebuchet MS"/>
                 <a:cs typeface="Trebuchet MS"/>
               </a:rPr>
               <a:t>7</a:t>
             </a:r>
             <a:r>
-              <a:rPr lang="en-US" sz="2400" dirty="0" smtClean="0">
+              <a:rPr lang="en-US" sz="2400" dirty="0">
                 <a:latin typeface="Trebuchet MS"/>
                 <a:cs typeface="Trebuchet MS"/>
               </a:rPr>
               <a:t>. </a:t>
             </a:r>
-            <a:endParaRPr lang="en-US" sz="2400" dirty="0" smtClean="0">
+            <a:endParaRPr lang="en-US" sz="2400" dirty="0">
               <a:latin typeface="LM Roman 10 Regular"/>
               <a:cs typeface="LM Roman 10 Regular"/>
             </a:endParaRPr>
@@ -7450,18 +7408,13 @@
           <a:lstStyle/>
           <a:p>
             <a:r>
-              <a:rPr lang="en-US" dirty="0" smtClean="0">
+              <a:rPr lang="en-US" dirty="0">
                 <a:solidFill>
                   <a:schemeClr val="bg1"/>
                 </a:solidFill>
               </a:rPr>
               <a:t>1</a:t>
             </a:r>
-            <a:endParaRPr lang="en-US" dirty="0">
-              <a:solidFill>
-                <a:schemeClr val="bg1"/>
-              </a:solidFill>
-            </a:endParaRPr>
           </a:p>
         </p:txBody>
       </p:sp>
@@ -7488,18 +7441,13 @@
           <a:lstStyle/>
           <a:p>
             <a:r>
-              <a:rPr lang="en-US" dirty="0" smtClean="0">
+              <a:rPr lang="en-US" dirty="0">
                 <a:solidFill>
                   <a:schemeClr val="bg1"/>
                 </a:solidFill>
               </a:rPr>
               <a:t>2</a:t>
             </a:r>
-            <a:endParaRPr lang="en-US" dirty="0">
-              <a:solidFill>
-                <a:schemeClr val="bg1"/>
-              </a:solidFill>
-            </a:endParaRPr>
           </a:p>
         </p:txBody>
       </p:sp>
@@ -7526,18 +7474,13 @@
           <a:lstStyle/>
           <a:p>
             <a:r>
-              <a:rPr lang="en-US" dirty="0" smtClean="0">
+              <a:rPr lang="en-US" dirty="0">
                 <a:solidFill>
                   <a:schemeClr val="bg1"/>
                 </a:solidFill>
               </a:rPr>
               <a:t>3</a:t>
             </a:r>
-            <a:endParaRPr lang="en-US" dirty="0">
-              <a:solidFill>
-                <a:schemeClr val="bg1"/>
-              </a:solidFill>
-            </a:endParaRPr>
           </a:p>
         </p:txBody>
       </p:sp>
@@ -7564,18 +7507,13 @@
           <a:lstStyle/>
           <a:p>
             <a:r>
-              <a:rPr lang="en-US" dirty="0" smtClean="0">
+              <a:rPr lang="en-US" dirty="0">
                 <a:solidFill>
                   <a:schemeClr val="bg1"/>
                 </a:solidFill>
               </a:rPr>
               <a:t>4</a:t>
             </a:r>
-            <a:endParaRPr lang="en-US" dirty="0">
-              <a:solidFill>
-                <a:schemeClr val="bg1"/>
-              </a:solidFill>
-            </a:endParaRPr>
           </a:p>
         </p:txBody>
       </p:sp>
@@ -7602,18 +7540,13 @@
           <a:lstStyle/>
           <a:p>
             <a:r>
-              <a:rPr lang="en-US" dirty="0" smtClean="0">
+              <a:rPr lang="en-US" dirty="0">
                 <a:solidFill>
                   <a:schemeClr val="bg1"/>
                 </a:solidFill>
               </a:rPr>
               <a:t>5</a:t>
             </a:r>
-            <a:endParaRPr lang="en-US" dirty="0">
-              <a:solidFill>
-                <a:schemeClr val="bg1"/>
-              </a:solidFill>
-            </a:endParaRPr>
           </a:p>
         </p:txBody>
       </p:sp>
@@ -7640,18 +7573,13 @@
           <a:lstStyle/>
           <a:p>
             <a:r>
-              <a:rPr lang="en-US" dirty="0" smtClean="0">
+              <a:rPr lang="en-US" dirty="0">
                 <a:solidFill>
                   <a:schemeClr val="bg1"/>
                 </a:solidFill>
               </a:rPr>
               <a:t>6</a:t>
             </a:r>
-            <a:endParaRPr lang="en-US" dirty="0">
-              <a:solidFill>
-                <a:schemeClr val="bg1"/>
-              </a:solidFill>
-            </a:endParaRPr>
           </a:p>
         </p:txBody>
       </p:sp>
@@ -9052,18 +8980,13 @@
           <a:lstStyle/>
           <a:p>
             <a:r>
-              <a:rPr lang="en-US" sz="4000" dirty="0" smtClean="0">
+              <a:rPr lang="en-US" sz="4000" dirty="0">
                 <a:solidFill>
                   <a:schemeClr val="bg1"/>
                 </a:solidFill>
               </a:rPr>
               <a:t>1</a:t>
             </a:r>
-            <a:endParaRPr lang="en-US" sz="4000" dirty="0">
-              <a:solidFill>
-                <a:schemeClr val="bg1"/>
-              </a:solidFill>
-            </a:endParaRPr>
           </a:p>
         </p:txBody>
       </p:sp>
@@ -9090,18 +9013,13 @@
           <a:lstStyle/>
           <a:p>
             <a:r>
-              <a:rPr lang="en-US" sz="4000" dirty="0" smtClean="0">
+              <a:rPr lang="en-US" sz="4000" dirty="0">
                 <a:solidFill>
                   <a:schemeClr val="bg1"/>
                 </a:solidFill>
               </a:rPr>
               <a:t>2</a:t>
             </a:r>
-            <a:endParaRPr lang="en-US" sz="4000" dirty="0">
-              <a:solidFill>
-                <a:schemeClr val="bg1"/>
-              </a:solidFill>
-            </a:endParaRPr>
           </a:p>
         </p:txBody>
       </p:sp>
@@ -9128,18 +9046,13 @@
           <a:lstStyle/>
           <a:p>
             <a:r>
-              <a:rPr lang="en-US" sz="4000" dirty="0" smtClean="0">
+              <a:rPr lang="en-US" sz="4000" dirty="0">
                 <a:solidFill>
                   <a:schemeClr val="bg1"/>
                 </a:solidFill>
               </a:rPr>
               <a:t>3</a:t>
             </a:r>
-            <a:endParaRPr lang="en-US" sz="4000" dirty="0">
-              <a:solidFill>
-                <a:schemeClr val="bg1"/>
-              </a:solidFill>
-            </a:endParaRPr>
           </a:p>
         </p:txBody>
       </p:sp>
@@ -9166,18 +9079,13 @@
           <a:lstStyle/>
           <a:p>
             <a:r>
-              <a:rPr lang="en-US" sz="4000" dirty="0" smtClean="0">
+              <a:rPr lang="en-US" sz="4000" dirty="0">
                 <a:solidFill>
                   <a:schemeClr val="bg1"/>
                 </a:solidFill>
               </a:rPr>
               <a:t>4</a:t>
             </a:r>
-            <a:endParaRPr lang="en-US" sz="4000" dirty="0">
-              <a:solidFill>
-                <a:schemeClr val="bg1"/>
-              </a:solidFill>
-            </a:endParaRPr>
           </a:p>
         </p:txBody>
       </p:sp>
@@ -9204,18 +9112,13 @@
           <a:lstStyle/>
           <a:p>
             <a:r>
-              <a:rPr lang="en-US" sz="4000" dirty="0" smtClean="0">
+              <a:rPr lang="en-US" sz="4000" dirty="0">
                 <a:solidFill>
                   <a:schemeClr val="bg1"/>
                 </a:solidFill>
               </a:rPr>
               <a:t>5</a:t>
             </a:r>
-            <a:endParaRPr lang="en-US" sz="4000" dirty="0">
-              <a:solidFill>
-                <a:schemeClr val="bg1"/>
-              </a:solidFill>
-            </a:endParaRPr>
           </a:p>
         </p:txBody>
       </p:sp>
@@ -9242,18 +9145,13 @@
           <a:lstStyle/>
           <a:p>
             <a:r>
-              <a:rPr lang="en-US" sz="4000" dirty="0" smtClean="0">
+              <a:rPr lang="en-US" sz="4000" dirty="0">
                 <a:solidFill>
                   <a:schemeClr val="bg1"/>
                 </a:solidFill>
               </a:rPr>
               <a:t>6</a:t>
             </a:r>
-            <a:endParaRPr lang="en-US" sz="4000" dirty="0">
-              <a:solidFill>
-                <a:schemeClr val="bg1"/>
-              </a:solidFill>
-            </a:endParaRPr>
           </a:p>
         </p:txBody>
       </p:sp>
@@ -9267,13 +9165,6 @@
   <p:clrMapOvr>
     <a:masterClrMapping/>
   </p:clrMapOvr>
-  <p:timing>
-    <p:tnLst>
-      <p:par>
-        <p:cTn id="1" dur="indefinite" restart="never" nodeType="tmRoot"/>
-      </p:par>
-    </p:tnLst>
-  </p:timing>
 </p:sld>
 </file>
 
@@ -9341,46 +9232,11 @@
           <a:lstStyle/>
           <a:p>
             <a:r>
-              <a:rPr lang="en-US" dirty="0" smtClean="0">
-                <a:latin typeface="Trebuchet MS"/>
-                <a:cs typeface="Trebuchet MS"/>
-              </a:rPr>
-              <a:t> Difference between Φ</a:t>
-            </a:r>
-            <a:r>
-              <a:rPr lang="en-US" baseline="-25000" dirty="0" smtClean="0">
-                <a:latin typeface="Trebuchet MS"/>
-                <a:cs typeface="Trebuchet MS"/>
-              </a:rPr>
-              <a:t>1 </a:t>
-            </a:r>
-            <a:r>
-              <a:rPr lang="en-US" dirty="0" smtClean="0">
-                <a:latin typeface="Trebuchet MS"/>
-                <a:cs typeface="Trebuchet MS"/>
-              </a:rPr>
-              <a:t>of region </a:t>
-            </a:r>
-            <a:r>
-              <a:rPr lang="en-US" dirty="0" err="1" smtClean="0">
-                <a:latin typeface="Trebuchet MS"/>
-                <a:cs typeface="Trebuchet MS"/>
-              </a:rPr>
-              <a:t>i</a:t>
-            </a:r>
-            <a:r>
-              <a:rPr lang="en-US" dirty="0" smtClean="0">
-                <a:latin typeface="Trebuchet MS"/>
-                <a:cs typeface="Trebuchet MS"/>
-              </a:rPr>
-              <a:t> </a:t>
-            </a:r>
-            <a:r>
               <a:rPr lang="en-US" dirty="0">
                 <a:latin typeface="Trebuchet MS"/>
                 <a:cs typeface="Trebuchet MS"/>
               </a:rPr>
-              <a:t>and Φ</a:t>
+              <a:t> Difference between Φ</a:t>
             </a:r>
             <a:r>
               <a:rPr lang="en-US" baseline="-25000" dirty="0">
@@ -9394,22 +9250,50 @@
                 <a:latin typeface="Trebuchet MS"/>
                 <a:cs typeface="Trebuchet MS"/>
               </a:rPr>
+              <a:t>of region </a:t>
+            </a:r>
+            <a:r>
+              <a:rPr lang="en-US" dirty="0" err="1">
+                <a:latin typeface="Trebuchet MS"/>
+                <a:cs typeface="Trebuchet MS"/>
+              </a:rPr>
+              <a:t>i</a:t>
+            </a:r>
+            <a:r>
+              <a:rPr lang="en-US" dirty="0">
+                <a:latin typeface="Trebuchet MS"/>
+                <a:cs typeface="Trebuchet MS"/>
+              </a:rPr>
+              <a:t> and Φ</a:t>
+            </a:r>
+            <a:r>
+              <a:rPr lang="en-US" baseline="-25000" dirty="0">
+                <a:latin typeface="Trebuchet MS"/>
+                <a:cs typeface="Trebuchet MS"/>
+              </a:rPr>
+              <a:t>1 </a:t>
+            </a:r>
+            <a:r>
+              <a:rPr lang="en-US" dirty="0">
+                <a:latin typeface="Trebuchet MS"/>
+                <a:cs typeface="Trebuchet MS"/>
+              </a:rPr>
               <a:t>of region j</a:t>
             </a:r>
-            <a:endParaRPr lang="en-US" baseline="-25000" dirty="0" smtClean="0">
-              <a:latin typeface="Trebuchet MS"/>
-              <a:cs typeface="Trebuchet MS"/>
-            </a:endParaRPr>
-          </a:p>
-          <a:p>
             <a:endParaRPr lang="en-US" baseline="-25000" dirty="0">
               <a:latin typeface="Trebuchet MS"/>
               <a:cs typeface="Trebuchet MS"/>
             </a:endParaRPr>
           </a:p>
           <a:p>
-            <a:r>
-              <a:rPr lang="en-US" dirty="0" smtClean="0"/>
+            <a:endParaRPr lang="en-US" baseline="-25000" dirty="0">
+              <a:latin typeface="Trebuchet MS"/>
+              <a:cs typeface="Trebuchet MS"/>
+            </a:endParaRPr>
+          </a:p>
+          <a:p>
+            <a:r>
+              <a:rPr lang="en-US" dirty="0"/>
               <a:t>                  1          2         3          4           5           6</a:t>
             </a:r>
           </a:p>
@@ -9418,7 +9302,7 @@
           </a:p>
           <a:p>
             <a:r>
-              <a:rPr lang="en-US" sz="1500" dirty="0" smtClean="0"/>
+              <a:rPr lang="en-US" sz="1500" dirty="0"/>
               <a:t>      1</a:t>
             </a:r>
           </a:p>
@@ -9426,16 +9310,12 @@
             <a:endParaRPr lang="en-US" sz="1500" dirty="0"/>
           </a:p>
           <a:p>
-            <a:endParaRPr lang="en-US" sz="1500" dirty="0" smtClean="0"/>
+            <a:endParaRPr lang="en-US" sz="1500" dirty="0"/>
           </a:p>
           <a:p>
             <a:r>
               <a:rPr lang="en-US" sz="1500" dirty="0"/>
-              <a:t> </a:t>
-            </a:r>
-            <a:r>
-              <a:rPr lang="en-US" sz="1500" dirty="0" smtClean="0"/>
-              <a:t>     2</a:t>
+              <a:t>      2</a:t>
             </a:r>
           </a:p>
           <a:p>
@@ -9446,7 +9326,7 @@
           </a:p>
           <a:p>
             <a:r>
-              <a:rPr lang="en-US" sz="1500" dirty="0" smtClean="0"/>
+              <a:rPr lang="en-US" sz="1500" dirty="0"/>
               <a:t>       3</a:t>
             </a:r>
           </a:p>
@@ -9454,42 +9334,37 @@
             <a:endParaRPr lang="en-US" sz="1500" dirty="0"/>
           </a:p>
           <a:p>
-            <a:endParaRPr lang="en-US" sz="1500" dirty="0" smtClean="0"/>
+            <a:endParaRPr lang="en-US" sz="1500" dirty="0"/>
           </a:p>
           <a:p>
             <a:r>
               <a:rPr lang="en-US" sz="1500" dirty="0"/>
-              <a:t> </a:t>
-            </a:r>
-            <a:r>
-              <a:rPr lang="en-US" sz="1500" dirty="0" smtClean="0"/>
-              <a:t>       4</a:t>
-            </a:r>
-          </a:p>
-          <a:p>
-            <a:endParaRPr lang="en-US" sz="1500" dirty="0" smtClean="0"/>
+              <a:t>        4</a:t>
+            </a:r>
           </a:p>
           <a:p>
             <a:endParaRPr lang="en-US" sz="1500" dirty="0"/>
           </a:p>
           <a:p>
-            <a:r>
-              <a:rPr lang="en-US" sz="1500" dirty="0" smtClean="0"/>
+            <a:endParaRPr lang="en-US" sz="1500" dirty="0"/>
+          </a:p>
+          <a:p>
+            <a:r>
+              <a:rPr lang="en-US" sz="1500" dirty="0"/>
               <a:t>        5</a:t>
             </a:r>
           </a:p>
           <a:p>
-            <a:endParaRPr lang="en-US" sz="1500" dirty="0" smtClean="0"/>
-          </a:p>
-          <a:p>
             <a:endParaRPr lang="en-US" sz="1500" dirty="0"/>
           </a:p>
           <a:p>
-            <a:r>
-              <a:rPr lang="en-US" sz="1500" dirty="0" smtClean="0"/>
+            <a:endParaRPr lang="en-US" sz="1500" dirty="0"/>
+          </a:p>
+          <a:p>
+            <a:r>
+              <a:rPr lang="en-US" sz="1500" dirty="0"/>
               <a:t>        6</a:t>
             </a:r>
-            <a:endParaRPr lang="en-US" sz="1500" dirty="0"/>
           </a:p>
         </p:txBody>
       </p:sp>
@@ -9629,7 +9504,7 @@
           <a:lstStyle/>
           <a:p>
             <a:r>
-              <a:rPr lang="en-US" dirty="0" err="1" smtClean="0">
+              <a:rPr lang="en-US" dirty="0" err="1">
                 <a:latin typeface="Trebuchet MS"/>
                 <a:cs typeface="Trebuchet MS"/>
               </a:rPr>
@@ -9665,16 +9540,12 @@
           <a:lstStyle/>
           <a:p>
             <a:r>
-              <a:rPr lang="en-US" dirty="0" smtClean="0">
+              <a:rPr lang="en-US" dirty="0">
                 <a:latin typeface="Trebuchet MS"/>
                 <a:cs typeface="Trebuchet MS"/>
               </a:rPr>
               <a:t>j</a:t>
             </a:r>
-            <a:endParaRPr lang="en-US" dirty="0">
-              <a:latin typeface="Trebuchet MS"/>
-              <a:cs typeface="Trebuchet MS"/>
-            </a:endParaRPr>
           </a:p>
         </p:txBody>
       </p:sp>
@@ -9718,13 +9589,6 @@
   <p:clrMapOvr>
     <a:masterClrMapping/>
   </p:clrMapOvr>
-  <p:timing>
-    <p:tnLst>
-      <p:par>
-        <p:cTn id="1" dur="indefinite" restart="never" nodeType="tmRoot"/>
-      </p:par>
-    </p:tnLst>
-  </p:timing>
 </p:sld>
 </file>
 
@@ -9938,56 +9802,56 @@
           <a:lstStyle/>
           <a:p>
             <a:r>
-              <a:rPr lang="en-US" dirty="0" smtClean="0">
+              <a:rPr lang="en-US" dirty="0">
                 <a:latin typeface="Trebuchet MS"/>
                 <a:cs typeface="Trebuchet MS"/>
               </a:rPr>
               <a:t>Φ</a:t>
             </a:r>
             <a:r>
-              <a:rPr lang="en-US" baseline="-25000" dirty="0" smtClean="0">
+              <a:rPr lang="en-US" baseline="-25000" dirty="0">
                 <a:latin typeface="Trebuchet MS"/>
                 <a:cs typeface="Trebuchet MS"/>
               </a:rPr>
               <a:t>1</a:t>
             </a:r>
             <a:r>
-              <a:rPr lang="en-US" dirty="0" smtClean="0">
+              <a:rPr lang="en-US" dirty="0">
                 <a:latin typeface="Trebuchet MS"/>
                 <a:cs typeface="Trebuchet MS"/>
               </a:rPr>
               <a:t>                             Φ</a:t>
             </a:r>
             <a:r>
-              <a:rPr lang="en-US" baseline="-25000" dirty="0" smtClean="0">
+              <a:rPr lang="en-US" baseline="-25000" dirty="0">
                 <a:latin typeface="Trebuchet MS"/>
                 <a:cs typeface="Trebuchet MS"/>
               </a:rPr>
               <a:t>2</a:t>
             </a:r>
             <a:r>
-              <a:rPr lang="en-US" dirty="0" smtClean="0">
+              <a:rPr lang="en-US" dirty="0">
                 <a:latin typeface="Trebuchet MS"/>
                 <a:cs typeface="Trebuchet MS"/>
               </a:rPr>
               <a:t>                           Φ</a:t>
             </a:r>
             <a:r>
-              <a:rPr lang="en-US" baseline="-25000" dirty="0" smtClean="0">
+              <a:rPr lang="en-US" baseline="-25000" dirty="0">
                 <a:latin typeface="Trebuchet MS"/>
                 <a:cs typeface="Trebuchet MS"/>
               </a:rPr>
               <a:t>3                                             </a:t>
             </a:r>
             <a:r>
-              <a:rPr lang="en-US" dirty="0" smtClean="0">
+              <a:rPr lang="en-US" dirty="0">
                 <a:latin typeface="Trebuchet MS"/>
                 <a:cs typeface="Trebuchet MS"/>
               </a:rPr>
               <a:t>Φ</a:t>
             </a:r>
             <a:r>
-              <a:rPr lang="en-US" baseline="-25000" dirty="0" smtClean="0">
+              <a:rPr lang="en-US" baseline="-25000" dirty="0">
                 <a:latin typeface="Trebuchet MS"/>
                 <a:cs typeface="Trebuchet MS"/>
               </a:rPr>
@@ -10022,76 +9886,46 @@
           <a:lstStyle/>
           <a:p>
             <a:r>
-              <a:rPr lang="en-US" dirty="0" smtClean="0">
+              <a:rPr lang="en-US" dirty="0">
                 <a:latin typeface="Trebuchet MS"/>
                 <a:cs typeface="Trebuchet MS"/>
               </a:rPr>
               <a:t>Φ</a:t>
             </a:r>
             <a:r>
-              <a:rPr lang="en-US" baseline="-25000" dirty="0" smtClean="0">
+              <a:rPr lang="en-US" baseline="-25000" dirty="0">
                 <a:latin typeface="Trebuchet MS"/>
                 <a:cs typeface="Trebuchet MS"/>
               </a:rPr>
               <a:t>5</a:t>
             </a:r>
             <a:r>
-              <a:rPr lang="en-US" dirty="0" smtClean="0">
+              <a:rPr lang="en-US" dirty="0">
                 <a:latin typeface="Trebuchet MS"/>
                 <a:cs typeface="Trebuchet MS"/>
               </a:rPr>
               <a:t>                             Φ</a:t>
             </a:r>
             <a:r>
-              <a:rPr lang="en-US" baseline="-25000" dirty="0" smtClean="0">
+              <a:rPr lang="en-US" baseline="-25000" dirty="0">
                 <a:latin typeface="Trebuchet MS"/>
                 <a:cs typeface="Trebuchet MS"/>
               </a:rPr>
               <a:t>6</a:t>
             </a:r>
             <a:r>
-              <a:rPr lang="en-US" dirty="0" smtClean="0">
+              <a:rPr lang="en-US" dirty="0">
                 <a:latin typeface="Trebuchet MS"/>
                 <a:cs typeface="Trebuchet MS"/>
               </a:rPr>
               <a:t>                           Φ</a:t>
             </a:r>
             <a:r>
-              <a:rPr lang="en-US" baseline="-25000" dirty="0" smtClean="0">
+              <a:rPr lang="en-US" baseline="-25000" dirty="0">
                 <a:latin typeface="Trebuchet MS"/>
                 <a:cs typeface="Trebuchet MS"/>
               </a:rPr>
               <a:t>7</a:t>
-            </a:r>
-            <a:endParaRPr lang="en-US" dirty="0"/>
-          </a:p>
-        </p:txBody>
-      </p:sp>
-      <p:sp>
-        <p:nvSpPr>
-          <p:cNvPr id="3" name="TextBox 2"/>
-          <p:cNvSpPr txBox="1"/>
-          <p:nvPr/>
-        </p:nvSpPr>
-        <p:spPr>
-          <a:xfrm>
-            <a:off x="173187" y="6329887"/>
-            <a:ext cx="2481043" cy="369332"/>
-          </a:xfrm>
-          <a:prstGeom prst="rect">
-            <a:avLst/>
-          </a:prstGeom>
-          <a:noFill/>
-        </p:spPr>
-        <p:txBody>
-          <a:bodyPr wrap="none" rtlCol="0">
-            <a:spAutoFit/>
-          </a:bodyPr>
-          <a:lstStyle/>
-          <a:p>
-            <a:r>
-              <a:rPr lang="en-US" dirty="0" smtClean="0"/>
-              <a:t>&gt; PAT02_HuMoments.m</a:t>
             </a:r>
             <a:endParaRPr lang="en-US" dirty="0"/>
           </a:p>
@@ -10107,13 +9941,402 @@
   <p:clrMapOvr>
     <a:masterClrMapping/>
   </p:clrMapOvr>
-  <p:timing>
-    <p:tnLst>
-      <p:par>
-        <p:cTn id="1" dur="indefinite" restart="never" nodeType="tmRoot"/>
-      </p:par>
-    </p:tnLst>
-  </p:timing>
+</p:sld>
+</file>
+
+<file path=ppt/slides/slide15.xml><?xml version="1.0" encoding="utf-8"?>
+<p:sld xmlns:a="http://schemas.openxmlformats.org/drawingml/2006/main" xmlns:r="http://schemas.openxmlformats.org/officeDocument/2006/relationships" xmlns:p="http://schemas.openxmlformats.org/presentationml/2006/main">
+  <p:cSld>
+    <p:spTree>
+      <p:nvGrpSpPr>
+        <p:cNvPr id="1" name=""/>
+        <p:cNvGrpSpPr/>
+        <p:nvPr/>
+      </p:nvGrpSpPr>
+      <p:grpSpPr>
+        <a:xfrm>
+          <a:off x="0" y="0"/>
+          <a:ext cx="0" cy="0"/>
+          <a:chOff x="0" y="0"/>
+          <a:chExt cx="0" cy="0"/>
+        </a:xfrm>
+      </p:grpSpPr>
+      <p:sp>
+        <p:nvSpPr>
+          <p:cNvPr id="2" name="Title 1">
+            <a:extLst>
+              <a:ext uri="{FF2B5EF4-FFF2-40B4-BE49-F238E27FC236}">
+                <a16:creationId xmlns:a16="http://schemas.microsoft.com/office/drawing/2014/main" id="{5A9EABD5-E200-B346-A8BE-F4BA49872E76}"/>
+              </a:ext>
+            </a:extLst>
+          </p:cNvPr>
+          <p:cNvSpPr>
+            <a:spLocks noGrp="1"/>
+          </p:cNvSpPr>
+          <p:nvPr>
+            <p:ph type="title"/>
+          </p:nvPr>
+        </p:nvSpPr>
+        <p:spPr>
+          <a:xfrm>
+            <a:off x="457200" y="274638"/>
+            <a:ext cx="4497572" cy="1143000"/>
+          </a:xfrm>
+        </p:spPr>
+        <p:txBody>
+          <a:bodyPr/>
+          <a:lstStyle/>
+          <a:p>
+            <a:pPr algn="l"/>
+            <a:r>
+              <a:rPr lang="en-US" dirty="0" err="1">
+                <a:latin typeface="Trebuchet MS" panose="020B0703020202090204" pitchFamily="34" charset="0"/>
+              </a:rPr>
+              <a:t>Flusser</a:t>
+            </a:r>
+            <a:r>
+              <a:rPr lang="en-US" dirty="0">
+                <a:latin typeface="Trebuchet MS" panose="020B0703020202090204" pitchFamily="34" charset="0"/>
+              </a:rPr>
+              <a:t> Moments</a:t>
+            </a:r>
+          </a:p>
+        </p:txBody>
+      </p:sp>
+      <p:pic>
+        <p:nvPicPr>
+          <p:cNvPr id="4" name="Picture 3">
+            <a:extLst>
+              <a:ext uri="{FF2B5EF4-FFF2-40B4-BE49-F238E27FC236}">
+                <a16:creationId xmlns:a16="http://schemas.microsoft.com/office/drawing/2014/main" id="{AC7B6B37-8E97-B542-A70B-736FBECA5F9D}"/>
+              </a:ext>
+            </a:extLst>
+          </p:cNvPr>
+          <p:cNvPicPr>
+            <a:picLocks noChangeAspect="1"/>
+          </p:cNvPicPr>
+          <p:nvPr/>
+        </p:nvPicPr>
+        <p:blipFill>
+          <a:blip r:embed="rId2">
+            <a:extLst>
+              <a:ext uri="{28A0092B-C50C-407E-A947-70E740481C1C}">
+                <a14:useLocalDpi xmlns:a14="http://schemas.microsoft.com/office/drawing/2010/main" val="0"/>
+              </a:ext>
+            </a:extLst>
+          </a:blip>
+          <a:stretch>
+            <a:fillRect/>
+          </a:stretch>
+        </p:blipFill>
+        <p:spPr>
+          <a:xfrm>
+            <a:off x="156681" y="1450160"/>
+            <a:ext cx="6999029" cy="4389791"/>
+          </a:xfrm>
+          <a:prstGeom prst="rect">
+            <a:avLst/>
+          </a:prstGeom>
+        </p:spPr>
+      </p:pic>
+      <p:sp>
+        <p:nvSpPr>
+          <p:cNvPr id="6" name="TextBox 5">
+            <a:extLst>
+              <a:ext uri="{FF2B5EF4-FFF2-40B4-BE49-F238E27FC236}">
+                <a16:creationId xmlns:a16="http://schemas.microsoft.com/office/drawing/2014/main" id="{C4B4CFD4-E8B6-F844-B725-0E27BAE49BB6}"/>
+              </a:ext>
+            </a:extLst>
+          </p:cNvPr>
+          <p:cNvSpPr txBox="1"/>
+          <p:nvPr/>
+        </p:nvSpPr>
+        <p:spPr>
+          <a:xfrm>
+            <a:off x="350875" y="6060558"/>
+            <a:ext cx="8420986" cy="646331"/>
+          </a:xfrm>
+          <a:prstGeom prst="rect">
+            <a:avLst/>
+          </a:prstGeom>
+          <a:noFill/>
+        </p:spPr>
+        <p:txBody>
+          <a:bodyPr wrap="square" rtlCol="0">
+            <a:spAutoFit/>
+          </a:bodyPr>
+          <a:lstStyle/>
+          <a:p>
+            <a:r>
+              <a:rPr lang="en-US" dirty="0" err="1"/>
+              <a:t>Flusser</a:t>
+            </a:r>
+            <a:r>
+              <a:rPr lang="en-US" dirty="0"/>
+              <a:t>, J., &amp; Suk, T. (1993). </a:t>
+            </a:r>
+            <a:r>
+              <a:rPr lang="en-US" dirty="0">
+                <a:hlinkClick r:id="rId3"/>
+              </a:rPr>
+              <a:t>Pattern recognition by affine moment invariants</a:t>
+            </a:r>
+            <a:r>
+              <a:rPr lang="en-US" dirty="0"/>
+              <a:t>. Pattern recognition, 26(1), 167-174.</a:t>
+            </a:r>
+          </a:p>
+        </p:txBody>
+      </p:sp>
+      <p:sp>
+        <p:nvSpPr>
+          <p:cNvPr id="7" name="Rectangle 6">
+            <a:extLst>
+              <a:ext uri="{FF2B5EF4-FFF2-40B4-BE49-F238E27FC236}">
+                <a16:creationId xmlns:a16="http://schemas.microsoft.com/office/drawing/2014/main" id="{46F713D9-031C-BE4B-A513-339FA93A5F2A}"/>
+              </a:ext>
+            </a:extLst>
+          </p:cNvPr>
+          <p:cNvSpPr/>
+          <p:nvPr/>
+        </p:nvSpPr>
+        <p:spPr>
+          <a:xfrm>
+            <a:off x="6103095" y="584791"/>
+            <a:ext cx="712381" cy="563525"/>
+          </a:xfrm>
+          <a:prstGeom prst="rect">
+            <a:avLst/>
+          </a:prstGeom>
+        </p:spPr>
+        <p:style>
+          <a:lnRef idx="2">
+            <a:schemeClr val="accent1">
+              <a:shade val="50000"/>
+            </a:schemeClr>
+          </a:lnRef>
+          <a:fillRef idx="1">
+            <a:schemeClr val="accent1"/>
+          </a:fillRef>
+          <a:effectRef idx="0">
+            <a:schemeClr val="accent1"/>
+          </a:effectRef>
+          <a:fontRef idx="minor">
+            <a:schemeClr val="lt1"/>
+          </a:fontRef>
+        </p:style>
+        <p:txBody>
+          <a:bodyPr rtlCol="0" anchor="ctr"/>
+          <a:lstStyle/>
+          <a:p>
+            <a:pPr algn="ctr"/>
+            <a:endParaRPr lang="en-US"/>
+          </a:p>
+        </p:txBody>
+      </p:sp>
+      <p:sp>
+        <p:nvSpPr>
+          <p:cNvPr id="8" name="Parallelogram 7">
+            <a:extLst>
+              <a:ext uri="{FF2B5EF4-FFF2-40B4-BE49-F238E27FC236}">
+                <a16:creationId xmlns:a16="http://schemas.microsoft.com/office/drawing/2014/main" id="{A1F5EF56-379E-8E48-984B-6D18017FEF5A}"/>
+              </a:ext>
+            </a:extLst>
+          </p:cNvPr>
+          <p:cNvSpPr/>
+          <p:nvPr/>
+        </p:nvSpPr>
+        <p:spPr>
+          <a:xfrm rot="878684">
+            <a:off x="7740505" y="616691"/>
+            <a:ext cx="776177" cy="659219"/>
+          </a:xfrm>
+          <a:prstGeom prst="parallelogram">
+            <a:avLst/>
+          </a:prstGeom>
+        </p:spPr>
+        <p:style>
+          <a:lnRef idx="2">
+            <a:schemeClr val="accent1">
+              <a:shade val="50000"/>
+            </a:schemeClr>
+          </a:lnRef>
+          <a:fillRef idx="1">
+            <a:schemeClr val="accent1"/>
+          </a:fillRef>
+          <a:effectRef idx="0">
+            <a:schemeClr val="accent1"/>
+          </a:effectRef>
+          <a:fontRef idx="minor">
+            <a:schemeClr val="lt1"/>
+          </a:fontRef>
+        </p:style>
+        <p:txBody>
+          <a:bodyPr rtlCol="0" anchor="ctr"/>
+          <a:lstStyle/>
+          <a:p>
+            <a:pPr algn="ctr"/>
+            <a:endParaRPr lang="en-US"/>
+          </a:p>
+        </p:txBody>
+      </p:sp>
+      <p:sp>
+        <p:nvSpPr>
+          <p:cNvPr id="9" name="Right Arrow 8">
+            <a:extLst>
+              <a:ext uri="{FF2B5EF4-FFF2-40B4-BE49-F238E27FC236}">
+                <a16:creationId xmlns:a16="http://schemas.microsoft.com/office/drawing/2014/main" id="{F3F00722-5264-7146-9043-13A85C352209}"/>
+              </a:ext>
+            </a:extLst>
+          </p:cNvPr>
+          <p:cNvSpPr/>
+          <p:nvPr/>
+        </p:nvSpPr>
+        <p:spPr>
+          <a:xfrm>
+            <a:off x="7145086" y="808074"/>
+            <a:ext cx="233916" cy="212652"/>
+          </a:xfrm>
+          <a:prstGeom prst="rightArrow">
+            <a:avLst/>
+          </a:prstGeom>
+        </p:spPr>
+        <p:style>
+          <a:lnRef idx="2">
+            <a:schemeClr val="accent1">
+              <a:shade val="50000"/>
+            </a:schemeClr>
+          </a:lnRef>
+          <a:fillRef idx="1">
+            <a:schemeClr val="accent1"/>
+          </a:fillRef>
+          <a:effectRef idx="0">
+            <a:schemeClr val="accent1"/>
+          </a:effectRef>
+          <a:fontRef idx="minor">
+            <a:schemeClr val="lt1"/>
+          </a:fontRef>
+        </p:style>
+        <p:txBody>
+          <a:bodyPr rtlCol="0" anchor="ctr"/>
+          <a:lstStyle/>
+          <a:p>
+            <a:pPr algn="ctr"/>
+            <a:endParaRPr lang="en-US"/>
+          </a:p>
+        </p:txBody>
+      </p:sp>
+      <p:sp>
+        <p:nvSpPr>
+          <p:cNvPr id="10" name="TextBox 9">
+            <a:extLst>
+              <a:ext uri="{FF2B5EF4-FFF2-40B4-BE49-F238E27FC236}">
+                <a16:creationId xmlns:a16="http://schemas.microsoft.com/office/drawing/2014/main" id="{1B5B3D82-21D0-7349-8FB5-2D6F26B81E03}"/>
+              </a:ext>
+            </a:extLst>
+          </p:cNvPr>
+          <p:cNvSpPr txBox="1"/>
+          <p:nvPr/>
+        </p:nvSpPr>
+        <p:spPr>
+          <a:xfrm>
+            <a:off x="5560832" y="1446023"/>
+            <a:ext cx="3317358" cy="923330"/>
+          </a:xfrm>
+          <a:prstGeom prst="rect">
+            <a:avLst/>
+          </a:prstGeom>
+          <a:noFill/>
+        </p:spPr>
+        <p:txBody>
+          <a:bodyPr wrap="square" rtlCol="0">
+            <a:spAutoFit/>
+          </a:bodyPr>
+          <a:lstStyle/>
+          <a:p>
+            <a:pPr algn="r"/>
+            <a:r>
+              <a:rPr lang="en-US" dirty="0" err="1"/>
+              <a:t>Invariante</a:t>
+            </a:r>
+            <a:r>
+              <a:rPr lang="en-US" dirty="0"/>
+              <a:t> a la </a:t>
+            </a:r>
+            <a:r>
+              <a:rPr lang="en-US" dirty="0" err="1"/>
+              <a:t>transformada</a:t>
+            </a:r>
+            <a:r>
+              <a:rPr lang="en-US" dirty="0"/>
+              <a:t> </a:t>
+            </a:r>
+            <a:r>
+              <a:rPr lang="en-US" dirty="0" err="1"/>
+              <a:t>afín</a:t>
+            </a:r>
+            <a:r>
+              <a:rPr lang="en-US" dirty="0"/>
+              <a:t>: </a:t>
+            </a:r>
+            <a:r>
+              <a:rPr lang="en-US" dirty="0" err="1"/>
+              <a:t>líneas</a:t>
+            </a:r>
+            <a:r>
+              <a:rPr lang="en-US" dirty="0"/>
+              <a:t> </a:t>
+            </a:r>
+            <a:r>
+              <a:rPr lang="en-US" dirty="0" err="1"/>
+              <a:t>paralelas</a:t>
+            </a:r>
+            <a:r>
+              <a:rPr lang="en-US" dirty="0"/>
+              <a:t> se </a:t>
+            </a:r>
+            <a:r>
+              <a:rPr lang="en-US" dirty="0" err="1"/>
+              <a:t>transforman</a:t>
+            </a:r>
+            <a:r>
+              <a:rPr lang="en-US" dirty="0"/>
+              <a:t> </a:t>
+            </a:r>
+            <a:r>
+              <a:rPr lang="en-US" dirty="0" err="1"/>
+              <a:t>como</a:t>
+            </a:r>
+            <a:r>
+              <a:rPr lang="en-US" dirty="0"/>
+              <a:t> </a:t>
+            </a:r>
+            <a:r>
+              <a:rPr lang="en-US" dirty="0" err="1"/>
+              <a:t>líneas</a:t>
+            </a:r>
+            <a:r>
+              <a:rPr lang="en-US" dirty="0"/>
+              <a:t> </a:t>
+            </a:r>
+            <a:r>
+              <a:rPr lang="en-US" dirty="0" err="1"/>
+              <a:t>paralelas</a:t>
+            </a:r>
+            <a:endParaRPr lang="en-US" dirty="0"/>
+          </a:p>
+        </p:txBody>
+      </p:sp>
+    </p:spTree>
+    <p:extLst>
+      <p:ext uri="{BB962C8B-B14F-4D97-AF65-F5344CB8AC3E}">
+        <p14:creationId xmlns:p14="http://schemas.microsoft.com/office/powerpoint/2010/main" val="398913445"/>
+      </p:ext>
+    </p:extLst>
+  </p:cSld>
+  <p:clrMapOvr>
+    <a:masterClrMapping/>
+  </p:clrMapOvr>
 </p:sld>
 </file>
 
@@ -10158,14 +10381,14 @@
           </a:bodyPr>
           <a:lstStyle/>
           <a:p>
-            <a:endParaRPr lang="en-US" dirty="0" smtClean="0">
+            <a:endParaRPr lang="en-US" dirty="0">
               <a:latin typeface="Trebuchet MS"/>
               <a:cs typeface="Trebuchet MS"/>
             </a:endParaRPr>
           </a:p>
           <a:p>
             <a:r>
-              <a:rPr lang="en-US" dirty="0" smtClean="0">
+              <a:rPr lang="en-US" dirty="0">
                 <a:latin typeface="Trebuchet MS"/>
                 <a:cs typeface="Trebuchet MS"/>
               </a:rPr>
@@ -10173,7 +10396,7 @@
             </a:r>
           </a:p>
           <a:p>
-            <a:endParaRPr lang="en-US" dirty="0" smtClean="0">
+            <a:endParaRPr lang="en-US" dirty="0">
               <a:latin typeface="Trebuchet MS"/>
               <a:cs typeface="Trebuchet MS"/>
             </a:endParaRPr>
@@ -10205,7 +10428,7 @@
           <a:lstStyle/>
           <a:p>
             <a:r>
-              <a:rPr lang="en-US" dirty="0" smtClean="0">
+              <a:rPr lang="en-US" dirty="0">
                 <a:latin typeface="Trebuchet MS"/>
                 <a:cs typeface="Trebuchet MS"/>
               </a:rPr>
@@ -10214,16 +10437,12 @@
           </a:p>
           <a:p>
             <a:r>
-              <a:rPr lang="en-US" dirty="0" smtClean="0">
+              <a:rPr lang="en-US" dirty="0">
                 <a:latin typeface="Trebuchet MS"/>
                 <a:cs typeface="Trebuchet MS"/>
               </a:rPr>
               <a:t>  					Intensity Features</a:t>
             </a:r>
-            <a:endParaRPr lang="en-US" dirty="0">
-              <a:latin typeface="Trebuchet MS"/>
-              <a:cs typeface="Trebuchet MS"/>
-            </a:endParaRPr>
           </a:p>
         </p:txBody>
       </p:sp>
@@ -10252,16 +10471,12 @@
           <a:lstStyle/>
           <a:p>
             <a:r>
-              <a:rPr lang="en-US" dirty="0" smtClean="0">
+              <a:rPr lang="en-US" dirty="0">
                 <a:latin typeface="Trebuchet MS"/>
                 <a:cs typeface="Trebuchet MS"/>
               </a:rPr>
               <a:t>Geometric Features give information about location, orientation, shape and size.</a:t>
             </a:r>
-            <a:endParaRPr lang="en-US" dirty="0">
-              <a:latin typeface="Trebuchet MS"/>
-              <a:cs typeface="Trebuchet MS"/>
-            </a:endParaRPr>
           </a:p>
         </p:txBody>
       </p:sp>
@@ -10290,16 +10505,12 @@
           <a:lstStyle/>
           <a:p>
             <a:r>
-              <a:rPr lang="en-US" dirty="0" smtClean="0">
+              <a:rPr lang="en-US" dirty="0">
                 <a:latin typeface="Trebuchet MS"/>
                 <a:cs typeface="Trebuchet MS"/>
               </a:rPr>
               <a:t>Intensity Features give information about how are the grayvalues.</a:t>
             </a:r>
-            <a:endParaRPr lang="en-US" dirty="0">
-              <a:latin typeface="Trebuchet MS"/>
-              <a:cs typeface="Trebuchet MS"/>
-            </a:endParaRPr>
           </a:p>
         </p:txBody>
       </p:sp>
@@ -10610,16 +10821,12 @@
           <a:lstStyle/>
           <a:p>
             <a:r>
-              <a:rPr lang="en-US" sz="3600" b="1" dirty="0" smtClean="0">
+              <a:rPr lang="en-US" sz="3600" b="1" dirty="0">
                 <a:latin typeface="Trebuchet MS"/>
                 <a:cs typeface="Trebuchet MS"/>
               </a:rPr>
               <a:t>Geometric Features</a:t>
             </a:r>
-            <a:endParaRPr lang="en-US" sz="3600" b="1" dirty="0">
-              <a:latin typeface="Trebuchet MS"/>
-              <a:cs typeface="Trebuchet MS"/>
-            </a:endParaRPr>
           </a:p>
         </p:txBody>
       </p:sp>
@@ -10633,13 +10840,6 @@
   <p:clrMapOvr>
     <a:masterClrMapping/>
   </p:clrMapOvr>
-  <p:timing>
-    <p:tnLst>
-      <p:par>
-        <p:cTn id="1" dur="indefinite" restart="never" nodeType="tmRoot"/>
-      </p:par>
-    </p:tnLst>
-  </p:timing>
 </p:sld>
 </file>
 
@@ -10758,26 +10958,26 @@
             </a:bodyPr>
             <a:lstStyle/>
             <a:p>
-              <a:endParaRPr lang="en-US" dirty="0" smtClean="0">
+              <a:endParaRPr lang="en-US" dirty="0">
                 <a:latin typeface="Trebuchet MS"/>
                 <a:cs typeface="Trebuchet MS"/>
               </a:endParaRPr>
             </a:p>
             <a:p>
               <a:r>
-                <a:rPr lang="en-US" dirty="0" smtClean="0">
+                <a:rPr lang="en-US" dirty="0">
                   <a:latin typeface="Trebuchet MS"/>
                   <a:cs typeface="Trebuchet MS"/>
                 </a:rPr>
                 <a:t>Height and width of</a:t>
               </a:r>
-              <a:endParaRPr lang="en-US" dirty="0" smtClean="0">
+              <a:endParaRPr lang="en-US" dirty="0">
                 <a:latin typeface="LM Roman 10 Regular"/>
                 <a:cs typeface="LM Roman 10 Regular"/>
               </a:endParaRPr>
             </a:p>
             <a:p>
-              <a:endParaRPr lang="en-US" dirty="0" smtClean="0">
+              <a:endParaRPr lang="en-US" dirty="0">
                 <a:latin typeface="Trebuchet MS"/>
                 <a:cs typeface="Trebuchet MS"/>
               </a:endParaRPr>
@@ -10809,21 +11009,6 @@
           </a:bodyPr>
           <a:lstStyle/>
           <a:p>
-            <a:endParaRPr lang="en-US" dirty="0" smtClean="0">
-              <a:latin typeface="Trebuchet MS"/>
-              <a:cs typeface="Trebuchet MS"/>
-            </a:endParaRPr>
-          </a:p>
-          <a:p>
-            <a:r>
-              <a:rPr lang="en-US" dirty="0" smtClean="0">
-                <a:latin typeface="Trebuchet MS"/>
-                <a:cs typeface="Trebuchet MS"/>
-              </a:rPr>
-              <a:t>Area and Perimeter</a:t>
-            </a:r>
-          </a:p>
-          <a:p>
             <a:endParaRPr lang="en-US" dirty="0">
               <a:latin typeface="Trebuchet MS"/>
               <a:cs typeface="Trebuchet MS"/>
@@ -10831,14 +11016,29 @@
           </a:p>
           <a:p>
             <a:r>
-              <a:rPr lang="en-US" i="1" dirty="0" smtClean="0">
+              <a:rPr lang="en-US" dirty="0">
+                <a:latin typeface="Trebuchet MS"/>
+                <a:cs typeface="Trebuchet MS"/>
+              </a:rPr>
+              <a:t>Area and Perimeter</a:t>
+            </a:r>
+          </a:p>
+          <a:p>
+            <a:endParaRPr lang="en-US" dirty="0">
+              <a:latin typeface="Trebuchet MS"/>
+              <a:cs typeface="Trebuchet MS"/>
+            </a:endParaRPr>
+          </a:p>
+          <a:p>
+            <a:r>
+              <a:rPr lang="en-US" i="1" dirty="0">
                 <a:latin typeface="LM Roman 10 Regular"/>
                 <a:cs typeface="LM Roman 10 Regular"/>
               </a:rPr>
               <a:t>A</a:t>
             </a:r>
             <a:r>
-              <a:rPr lang="en-US" dirty="0" smtClean="0">
+              <a:rPr lang="en-US" dirty="0">
                 <a:latin typeface="LM Roman 10 Regular"/>
                 <a:cs typeface="LM Roman 10 Regular"/>
               </a:rPr>
@@ -10853,14 +11053,14 @@
           </a:p>
           <a:p>
             <a:r>
-              <a:rPr lang="en-US" i="1" dirty="0" smtClean="0">
+              <a:rPr lang="en-US" i="1" dirty="0">
                 <a:latin typeface="LM Roman 10 Regular"/>
                 <a:cs typeface="LM Roman 10 Regular"/>
               </a:rPr>
               <a:t>L </a:t>
             </a:r>
             <a:r>
-              <a:rPr lang="en-US" dirty="0" smtClean="0">
+              <a:rPr lang="en-US" dirty="0">
                 <a:latin typeface="LM Roman 10 Regular"/>
                 <a:cs typeface="LM Roman 10 Regular"/>
               </a:rPr>
@@ -10907,14 +11107,14 @@
             </a:bodyPr>
             <a:lstStyle/>
             <a:p>
-              <a:endParaRPr lang="en-US" dirty="0" smtClean="0">
+              <a:endParaRPr lang="en-US" dirty="0">
                 <a:latin typeface="Trebuchet MS"/>
                 <a:cs typeface="Trebuchet MS"/>
               </a:endParaRPr>
             </a:p>
             <a:p>
               <a:r>
-                <a:rPr lang="en-US" dirty="0" smtClean="0">
+                <a:rPr lang="en-US" dirty="0">
                   <a:latin typeface="Trebuchet MS"/>
                   <a:cs typeface="Trebuchet MS"/>
                 </a:rPr>
@@ -10922,7 +11122,7 @@
               </a:r>
             </a:p>
             <a:p>
-              <a:endParaRPr lang="en-US" dirty="0" smtClean="0">
+              <a:endParaRPr lang="en-US" dirty="0">
                 <a:latin typeface="Trebuchet MS"/>
                 <a:cs typeface="Trebuchet MS"/>
               </a:endParaRPr>
@@ -11112,7 +11312,7 @@
           <a:graphicData uri="http://schemas.openxmlformats.org/presentationml/2006/ole">
             <mc:AlternateContent xmlns:mc="http://schemas.openxmlformats.org/markup-compatibility/2006">
               <mc:Choice xmlns:v="urn:schemas-microsoft-com:vml" Requires="v">
-                <p:oleObj spid="_x0000_s18445" name="Equation" r:id="rId8" imgW="114300" imgH="165100" progId="Equation.3">
+                <p:oleObj spid="_x0000_s18446" name="Equation" r:id="rId8" imgW="114300" imgH="165100" progId="Equation.3">
                   <p:embed/>
                 </p:oleObj>
               </mc:Choice>
@@ -11270,7 +11470,7 @@
             <a:lstStyle/>
             <a:p>
               <a:r>
-                <a:rPr lang="en-US" dirty="0" smtClean="0">
+                <a:rPr lang="en-US" dirty="0">
                   <a:latin typeface="Trebuchet MS"/>
                   <a:cs typeface="Trebuchet MS"/>
                 </a:rPr>
@@ -11285,28 +11485,28 @@
             </a:p>
             <a:p>
               <a:r>
-                <a:rPr lang="en-US" sz="2400" dirty="0" smtClean="0">
+                <a:rPr lang="en-US" sz="2400" dirty="0">
                   <a:latin typeface="LM Roman 10 Regular"/>
                   <a:cs typeface="LM Roman 10 Regular"/>
                 </a:rPr>
                 <a:t>(</a:t>
               </a:r>
               <a:r>
-                <a:rPr lang="en-US" sz="2400" i="1" dirty="0" err="1" smtClean="0">
+                <a:rPr lang="en-US" sz="2400" i="1" dirty="0" err="1">
                   <a:latin typeface="LM Roman 10 Regular"/>
                   <a:cs typeface="LM Roman 10 Regular"/>
                 </a:rPr>
                 <a:t>i</a:t>
               </a:r>
               <a:r>
-                <a:rPr lang="en-US" sz="2400" i="1" baseline="-25000" dirty="0" err="1" smtClean="0">
+                <a:rPr lang="en-US" sz="2400" i="1" baseline="-25000" dirty="0" err="1">
                   <a:latin typeface="LM Roman 10 Regular"/>
                   <a:cs typeface="LM Roman 10 Regular"/>
                 </a:rPr>
                 <a:t>m</a:t>
               </a:r>
               <a:r>
-                <a:rPr lang="en-US" sz="2400" dirty="0" smtClean="0">
+                <a:rPr lang="en-US" sz="2400" dirty="0">
                   <a:latin typeface="LM Roman 10 Regular"/>
                   <a:cs typeface="LM Roman 10 Regular"/>
                 </a:rPr>
@@ -11320,21 +11520,21 @@
                 <a:t> </a:t>
               </a:r>
               <a:r>
-                <a:rPr lang="en-US" sz="2400" i="1" dirty="0" err="1" smtClean="0">
+                <a:rPr lang="en-US" sz="2400" i="1" dirty="0" err="1">
                   <a:latin typeface="LM Roman 10 Regular"/>
                   <a:cs typeface="LM Roman 10 Regular"/>
                 </a:rPr>
                 <a:t>j</a:t>
               </a:r>
               <a:r>
-                <a:rPr lang="en-US" sz="2400" i="1" baseline="-25000" dirty="0" err="1" smtClean="0">
+                <a:rPr lang="en-US" sz="2400" i="1" baseline="-25000" dirty="0" err="1">
                   <a:latin typeface="LM Roman 10 Regular"/>
                   <a:cs typeface="LM Roman 10 Regular"/>
                 </a:rPr>
                 <a:t>m</a:t>
               </a:r>
               <a:r>
-                <a:rPr lang="en-US" sz="2400" dirty="0" smtClean="0">
+                <a:rPr lang="en-US" sz="2400" dirty="0">
                   <a:latin typeface="LM Roman 10 Regular"/>
                   <a:cs typeface="LM Roman 10 Regular"/>
                 </a:rPr>
@@ -11342,7 +11542,7 @@
               </a:r>
             </a:p>
             <a:p>
-              <a:endParaRPr lang="en-US" dirty="0" smtClean="0">
+              <a:endParaRPr lang="en-US" dirty="0">
                 <a:latin typeface="Trebuchet MS"/>
                 <a:cs typeface="Trebuchet MS"/>
               </a:endParaRPr>
@@ -11350,40 +11550,6 @@
           </p:txBody>
         </p:sp>
       </p:grpSp>
-      <p:sp>
-        <p:nvSpPr>
-          <p:cNvPr id="25" name="TextBox 24"/>
-          <p:cNvSpPr txBox="1"/>
-          <p:nvPr/>
-        </p:nvSpPr>
-        <p:spPr>
-          <a:xfrm>
-            <a:off x="192237" y="6348937"/>
-            <a:ext cx="2940357" cy="369332"/>
-          </a:xfrm>
-          <a:prstGeom prst="rect">
-            <a:avLst/>
-          </a:prstGeom>
-          <a:noFill/>
-        </p:spPr>
-        <p:txBody>
-          <a:bodyPr wrap="none" rtlCol="0">
-            <a:spAutoFit/>
-          </a:bodyPr>
-          <a:lstStyle/>
-          <a:p>
-            <a:r>
-              <a:rPr lang="en-US" smtClean="0"/>
-              <a:t>&gt; </a:t>
-            </a:r>
-            <a:r>
-              <a:rPr lang="en-US" smtClean="0"/>
-              <a:t>PAT02_BasicGeoFeatures.m</a:t>
-            </a:r>
-            <a:endParaRPr lang="en-US" dirty="0"/>
-          </a:p>
-        </p:txBody>
-      </p:sp>
     </p:spTree>
     <p:extLst>
       <p:ext uri="{BB962C8B-B14F-4D97-AF65-F5344CB8AC3E}">
@@ -11707,16 +11873,12 @@
           <a:lstStyle/>
           <a:p>
             <a:r>
-              <a:rPr lang="en-US" sz="3600" b="1" dirty="0" smtClean="0">
+              <a:rPr lang="en-US" sz="3600" b="1" dirty="0">
                 <a:latin typeface="Trebuchet MS"/>
                 <a:cs typeface="Trebuchet MS"/>
               </a:rPr>
               <a:t>Ellipses</a:t>
             </a:r>
-            <a:endParaRPr lang="en-US" sz="3600" b="1" dirty="0">
-              <a:latin typeface="Trebuchet MS"/>
-              <a:cs typeface="Trebuchet MS"/>
-            </a:endParaRPr>
           </a:p>
         </p:txBody>
       </p:sp>
@@ -11931,16 +12093,12 @@
           <a:lstStyle/>
           <a:p>
             <a:r>
-              <a:rPr lang="en-US" sz="3600" b="1" dirty="0" smtClean="0">
+              <a:rPr lang="en-US" sz="3600" b="1" dirty="0">
                 <a:latin typeface="Trebuchet MS"/>
                 <a:cs typeface="Trebuchet MS"/>
               </a:rPr>
               <a:t>Ellipses</a:t>
             </a:r>
-            <a:endParaRPr lang="en-US" sz="3600" b="1" dirty="0">
-              <a:latin typeface="Trebuchet MS"/>
-              <a:cs typeface="Trebuchet MS"/>
-            </a:endParaRPr>
           </a:p>
         </p:txBody>
       </p:sp>
@@ -12175,35 +12333,6 @@
           </a:bodyPr>
           <a:lstStyle/>
           <a:p>
-            <a:endParaRPr lang="en-US" dirty="0" smtClean="0">
-              <a:latin typeface="Trebuchet MS"/>
-              <a:cs typeface="Trebuchet MS"/>
-            </a:endParaRPr>
-          </a:p>
-          <a:p>
-            <a:r>
-              <a:rPr lang="en-US" dirty="0" smtClean="0">
-                <a:latin typeface="Trebuchet MS"/>
-                <a:cs typeface="Trebuchet MS"/>
-              </a:rPr>
-              <a:t>Major axis (</a:t>
-            </a:r>
-            <a:r>
-              <a:rPr lang="en-US" i="1" dirty="0" smtClean="0">
-                <a:latin typeface="LM Roman 10 Regular"/>
-                <a:cs typeface="LM Roman 10 Regular"/>
-              </a:rPr>
-              <a:t>a</a:t>
-            </a:r>
-            <a:r>
-              <a:rPr lang="en-US" dirty="0" smtClean="0">
-                <a:latin typeface="Trebuchet MS"/>
-                <a:cs typeface="Trebuchet MS"/>
-              </a:rPr>
-              <a:t>)</a:t>
-            </a:r>
-          </a:p>
-          <a:p>
             <a:endParaRPr lang="en-US" dirty="0">
               <a:latin typeface="Trebuchet MS"/>
               <a:cs typeface="Trebuchet MS"/>
@@ -12211,21 +12340,21 @@
           </a:p>
           <a:p>
             <a:r>
-              <a:rPr lang="en-US" dirty="0" smtClean="0">
+              <a:rPr lang="en-US" dirty="0">
                 <a:latin typeface="Trebuchet MS"/>
                 <a:cs typeface="Trebuchet MS"/>
               </a:rPr>
-              <a:t>Minor axis (</a:t>
-            </a:r>
-            <a:r>
-              <a:rPr lang="en-US" i="1" dirty="0" smtClean="0">
+              <a:t>Major axis (</a:t>
+            </a:r>
+            <a:r>
+              <a:rPr lang="en-US" i="1" dirty="0">
                 <a:latin typeface="LM Roman 10 Regular"/>
                 <a:cs typeface="LM Roman 10 Regular"/>
               </a:rPr>
-              <a:t>b</a:t>
-            </a:r>
-            <a:r>
-              <a:rPr lang="en-US" dirty="0" smtClean="0">
+              <a:t>a</a:t>
+            </a:r>
+            <a:r>
+              <a:rPr lang="en-US" dirty="0">
                 <a:latin typeface="Trebuchet MS"/>
                 <a:cs typeface="Trebuchet MS"/>
               </a:rPr>
@@ -12240,21 +12369,21 @@
           </a:p>
           <a:p>
             <a:r>
-              <a:rPr lang="en-US" dirty="0" smtClean="0">
+              <a:rPr lang="en-US" dirty="0">
                 <a:latin typeface="Trebuchet MS"/>
                 <a:cs typeface="Trebuchet MS"/>
               </a:rPr>
-              <a:t>Orientation (</a:t>
-            </a:r>
-            <a:r>
-              <a:rPr lang="en-US" dirty="0" err="1" smtClean="0">
+              <a:t>Minor axis (</a:t>
+            </a:r>
+            <a:r>
+              <a:rPr lang="en-US" i="1" dirty="0">
                 <a:latin typeface="LM Roman 10 Regular"/>
                 <a:cs typeface="LM Roman 10 Regular"/>
               </a:rPr>
-              <a:t>Θ</a:t>
-            </a:r>
-            <a:r>
-              <a:rPr lang="en-US" dirty="0" smtClean="0">
+              <a:t>b</a:t>
+            </a:r>
+            <a:r>
+              <a:rPr lang="en-US" dirty="0">
                 <a:latin typeface="Trebuchet MS"/>
                 <a:cs typeface="Trebuchet MS"/>
               </a:rPr>
@@ -12269,42 +12398,71 @@
           </a:p>
           <a:p>
             <a:r>
-              <a:rPr lang="en-US" dirty="0" smtClean="0">
+              <a:rPr lang="en-US" dirty="0">
                 <a:latin typeface="Trebuchet MS"/>
                 <a:cs typeface="Trebuchet MS"/>
               </a:rPr>
-              <a:t>Center </a:t>
-            </a:r>
-            <a:r>
-              <a:rPr lang="en-US" i="1" dirty="0" smtClean="0">
+              <a:t>Orientation (</a:t>
+            </a:r>
+            <a:r>
+              <a:rPr lang="en-US" dirty="0" err="1">
                 <a:latin typeface="LM Roman 10 Regular"/>
                 <a:cs typeface="LM Roman 10 Regular"/>
               </a:rPr>
-              <a:t>x</a:t>
-            </a:r>
-            <a:r>
-              <a:rPr lang="en-US" baseline="-25000" dirty="0" smtClean="0">
+              <a:t>Θ</a:t>
+            </a:r>
+            <a:r>
+              <a:rPr lang="en-US" dirty="0">
+                <a:latin typeface="Trebuchet MS"/>
+                <a:cs typeface="Trebuchet MS"/>
+              </a:rPr>
+              <a:t>)</a:t>
+            </a:r>
+          </a:p>
+          <a:p>
+            <a:endParaRPr lang="en-US" dirty="0">
+              <a:latin typeface="Trebuchet MS"/>
+              <a:cs typeface="Trebuchet MS"/>
+            </a:endParaRPr>
+          </a:p>
+          <a:p>
+            <a:r>
+              <a:rPr lang="en-US" dirty="0">
+                <a:latin typeface="Trebuchet MS"/>
+                <a:cs typeface="Trebuchet MS"/>
+              </a:rPr>
+              <a:t>Center </a:t>
+            </a:r>
+            <a:r>
+              <a:rPr lang="en-US" i="1" dirty="0">
                 <a:latin typeface="LM Roman 10 Regular"/>
                 <a:cs typeface="LM Roman 10 Regular"/>
               </a:rPr>
+              <a:t>x</a:t>
+            </a:r>
+            <a:r>
+              <a:rPr lang="en-US" baseline="-25000" dirty="0">
+                <a:latin typeface="LM Roman 10 Regular"/>
+                <a:cs typeface="LM Roman 10 Regular"/>
+              </a:rPr>
               <a:t>0</a:t>
             </a:r>
             <a:r>
-              <a:rPr lang="en-US" dirty="0" smtClean="0">
+              <a:rPr lang="en-US" dirty="0">
                 <a:latin typeface="Trebuchet MS"/>
                 <a:cs typeface="Trebuchet MS"/>
               </a:rPr>
               <a:t>, </a:t>
             </a:r>
             <a:r>
-              <a:rPr lang="en-US" i="1" dirty="0" smtClean="0">
+              <a:rPr lang="en-US" i="1" dirty="0">
                 <a:latin typeface="LM Roman 10 Regular"/>
                 <a:cs typeface="LM Roman 10 Regular"/>
               </a:rPr>
               <a:t>y</a:t>
             </a:r>
             <a:r>
-              <a:rPr lang="en-US" baseline="-25000" dirty="0" smtClean="0">
+              <a:rPr lang="en-US" baseline="-25000" dirty="0">
                 <a:latin typeface="LM Roman 10 Regular"/>
                 <a:cs typeface="LM Roman 10 Regular"/>
               </a:rPr>
@@ -12319,14 +12477,14 @@
           </a:p>
           <a:p>
             <a:r>
-              <a:rPr lang="en-US" dirty="0" smtClean="0">
+              <a:rPr lang="en-US" dirty="0">
                 <a:latin typeface="Trebuchet MS"/>
                 <a:cs typeface="Trebuchet MS"/>
               </a:rPr>
               <a:t>Area </a:t>
             </a:r>
             <a:r>
-              <a:rPr lang="en-US" i="1" dirty="0" smtClean="0">
+              <a:rPr lang="en-US" i="1" dirty="0">
                 <a:latin typeface="LM Roman 10 Regular"/>
                 <a:cs typeface="LM Roman 10 Regular"/>
               </a:rPr>
@@ -12341,14 +12499,14 @@
           </a:p>
           <a:p>
             <a:r>
-              <a:rPr lang="en-US" dirty="0" smtClean="0">
+              <a:rPr lang="en-US" dirty="0">
                 <a:latin typeface="Trebuchet MS"/>
                 <a:cs typeface="Trebuchet MS"/>
               </a:rPr>
               <a:t>Perimeter </a:t>
             </a:r>
             <a:r>
-              <a:rPr lang="en-US" i="1" dirty="0" smtClean="0">
+              <a:rPr lang="en-US" i="1" dirty="0">
                 <a:latin typeface="LM Roman 10 Regular"/>
                 <a:cs typeface="LM Roman 10 Regular"/>
               </a:rPr>
@@ -12363,38 +12521,34 @@
           </a:p>
           <a:p>
             <a:r>
-              <a:rPr lang="en-US" dirty="0" smtClean="0">
+              <a:rPr lang="en-US" dirty="0">
                 <a:latin typeface="Trebuchet MS"/>
                 <a:cs typeface="Trebuchet MS"/>
               </a:rPr>
               <a:t>Eccentricity </a:t>
             </a:r>
             <a:r>
-              <a:rPr lang="en-US" i="1" dirty="0" smtClean="0">
+              <a:rPr lang="en-US" i="1" dirty="0">
                 <a:latin typeface="LM Roman 10 Regular"/>
                 <a:cs typeface="LM Roman 10 Regular"/>
               </a:rPr>
               <a:t>E = b/a</a:t>
             </a:r>
+          </a:p>
+          <a:p>
             <a:endParaRPr lang="en-US" i="1" dirty="0">
               <a:latin typeface="LM Roman 10 Regular"/>
               <a:cs typeface="LM Roman 10 Regular"/>
             </a:endParaRPr>
           </a:p>
           <a:p>
-            <a:endParaRPr lang="en-US" i="1" dirty="0">
-              <a:latin typeface="LM Roman 10 Regular"/>
-              <a:cs typeface="LM Roman 10 Regular"/>
-            </a:endParaRPr>
-          </a:p>
-          <a:p>
             <a:endParaRPr lang="en-US" baseline="-25000" dirty="0">
               <a:latin typeface="LM Roman 10 Regular"/>
               <a:cs typeface="LM Roman 10 Regular"/>
             </a:endParaRPr>
           </a:p>
           <a:p>
-            <a:endParaRPr lang="en-US" baseline="-25000" dirty="0" smtClean="0">
+            <a:endParaRPr lang="en-US" baseline="-25000" dirty="0">
               <a:latin typeface="LM Roman 10 Regular"/>
               <a:cs typeface="LM Roman 10 Regular"/>
             </a:endParaRPr>
@@ -12639,14 +12793,14 @@
           <a:lstStyle/>
           <a:p>
             <a:r>
-              <a:rPr lang="en-US" i="1" dirty="0" smtClean="0">
+              <a:rPr lang="en-US" i="1" dirty="0">
                 <a:latin typeface="LM Roman 10 Regular"/>
                 <a:cs typeface="LM Roman 10 Regular"/>
               </a:rPr>
               <a:t>y</a:t>
             </a:r>
             <a:r>
-              <a:rPr lang="en-US" baseline="-25000" dirty="0" smtClean="0">
+              <a:rPr lang="en-US" baseline="-25000" dirty="0">
                 <a:latin typeface="LM Roman 10 Regular"/>
                 <a:cs typeface="LM Roman 10 Regular"/>
               </a:rPr>
@@ -12740,7 +12894,7 @@
           <a:lstStyle/>
           <a:p>
             <a:r>
-              <a:rPr lang="en-US" i="1" dirty="0" smtClean="0">
+              <a:rPr lang="en-US" i="1" dirty="0">
                 <a:latin typeface="LM Roman 10 Regular"/>
                 <a:cs typeface="LM Roman 10 Regular"/>
               </a:rPr>
@@ -12932,42 +13086,6 @@
           </a:fontRef>
         </p:style>
       </p:cxnSp>
-      <p:sp>
-        <p:nvSpPr>
-          <p:cNvPr id="2" name="TextBox 1"/>
-          <p:cNvSpPr txBox="1"/>
-          <p:nvPr/>
-        </p:nvSpPr>
-        <p:spPr>
-          <a:xfrm>
-            <a:off x="166192" y="6324048"/>
-            <a:ext cx="2538413" cy="369332"/>
-          </a:xfrm>
-          <a:prstGeom prst="rect">
-            <a:avLst/>
-          </a:prstGeom>
-          <a:noFill/>
-        </p:spPr>
-        <p:txBody>
-          <a:bodyPr wrap="none" rtlCol="0">
-            <a:spAutoFit/>
-          </a:bodyPr>
-          <a:lstStyle/>
-          <a:p>
-            <a:r>
-              <a:rPr lang="fr-FR" dirty="0" smtClean="0">
-                <a:latin typeface="Trebuchet MS"/>
-                <a:cs typeface="Trebuchet MS"/>
-              </a:rPr>
-              <a:t>&gt; PAT02_GeoEllipses.m</a:t>
-            </a:r>
-            <a:endParaRPr lang="en-US" dirty="0">
-              <a:latin typeface="Trebuchet MS"/>
-              <a:cs typeface="Trebuchet MS"/>
-            </a:endParaRPr>
-          </a:p>
-        </p:txBody>
-      </p:sp>
     </p:spTree>
     <p:extLst>
       <p:ext uri="{BB962C8B-B14F-4D97-AF65-F5344CB8AC3E}">
@@ -12978,13 +13096,6 @@
   <p:clrMapOvr>
     <a:masterClrMapping/>
   </p:clrMapOvr>
-  <p:timing>
-    <p:tnLst>
-      <p:par>
-        <p:cTn id="1" dur="indefinite" restart="never" nodeType="tmRoot"/>
-      </p:par>
-    </p:tnLst>
-  </p:timing>
 </p:sld>
 </file>
 
@@ -13060,44 +13171,40 @@
           <a:lstStyle/>
           <a:p>
             <a:r>
-              <a:rPr lang="en-US" sz="3200" dirty="0" smtClean="0">
+              <a:rPr lang="en-US" sz="3200" dirty="0">
                 <a:latin typeface="LM Roman 10 Regular"/>
                 <a:cs typeface="LM Roman 10 Regular"/>
               </a:rPr>
               <a:t>    for </a:t>
             </a:r>
             <a:r>
-              <a:rPr lang="en-US" sz="3200" i="1" dirty="0" smtClean="0">
+              <a:rPr lang="en-US" sz="3200" i="1" dirty="0">
                 <a:latin typeface="LM Roman 10 Regular"/>
                 <a:cs typeface="LM Roman 10 Regular"/>
               </a:rPr>
               <a:t>r</a:t>
             </a:r>
             <a:r>
-              <a:rPr lang="en-US" sz="3200" dirty="0" smtClean="0">
+              <a:rPr lang="en-US" sz="3200" dirty="0">
                 <a:latin typeface="LM Roman 10 Regular"/>
                 <a:cs typeface="LM Roman 10 Regular"/>
               </a:rPr>
               <a:t>, </a:t>
             </a:r>
             <a:r>
-              <a:rPr lang="en-US" sz="3200" i="1" dirty="0" smtClean="0">
+              <a:rPr lang="en-US" sz="3200" i="1" dirty="0">
                 <a:latin typeface="LM Roman 10 Regular"/>
                 <a:cs typeface="LM Roman 10 Regular"/>
               </a:rPr>
               <a:t>s</a:t>
             </a:r>
             <a:r>
-              <a:rPr lang="en-US" sz="3200" dirty="0" smtClean="0">
+              <a:rPr lang="en-US" sz="3200" dirty="0">
                 <a:latin typeface="LM Roman 10 Regular"/>
                 <a:cs typeface="LM Roman 10 Regular"/>
               </a:rPr>
               <a:t> </a:t>
             </a:r>
-            <a:endParaRPr lang="en-US" sz="3200" dirty="0">
-              <a:latin typeface="LM Roman 10 Regular"/>
-              <a:cs typeface="LM Roman 10 Regular"/>
-            </a:endParaRPr>
           </a:p>
         </p:txBody>
       </p:sp>
@@ -13126,44 +13233,40 @@
           <a:lstStyle/>
           <a:p>
             <a:r>
-              <a:rPr lang="en-US" sz="3200" dirty="0" smtClean="0">
+              <a:rPr lang="en-US" sz="3200" dirty="0">
                 <a:latin typeface="LM Roman 10 Regular"/>
                 <a:cs typeface="LM Roman 10 Regular"/>
               </a:rPr>
               <a:t>    for </a:t>
             </a:r>
             <a:r>
-              <a:rPr lang="en-US" sz="3200" i="1" dirty="0" smtClean="0">
+              <a:rPr lang="en-US" sz="3200" i="1" dirty="0">
                 <a:latin typeface="LM Roman 10 Regular"/>
                 <a:cs typeface="LM Roman 10 Regular"/>
               </a:rPr>
               <a:t>r</a:t>
             </a:r>
             <a:r>
-              <a:rPr lang="en-US" sz="3200" dirty="0" smtClean="0">
+              <a:rPr lang="en-US" sz="3200" dirty="0">
                 <a:latin typeface="LM Roman 10 Regular"/>
                 <a:cs typeface="LM Roman 10 Regular"/>
               </a:rPr>
               <a:t>, </a:t>
             </a:r>
             <a:r>
-              <a:rPr lang="en-US" sz="3200" i="1" dirty="0" smtClean="0">
+              <a:rPr lang="en-US" sz="3200" i="1" dirty="0">
                 <a:latin typeface="LM Roman 10 Regular"/>
                 <a:cs typeface="LM Roman 10 Regular"/>
               </a:rPr>
               <a:t>s</a:t>
             </a:r>
             <a:r>
-              <a:rPr lang="en-US" sz="3200" dirty="0" smtClean="0">
+              <a:rPr lang="en-US" sz="3200" dirty="0">
                 <a:latin typeface="LM Roman 10 Regular"/>
                 <a:cs typeface="LM Roman 10 Regular"/>
               </a:rPr>
               <a:t> </a:t>
             </a:r>
-            <a:endParaRPr lang="en-US" sz="3200" dirty="0">
-              <a:latin typeface="LM Roman 10 Regular"/>
-              <a:cs typeface="LM Roman 10 Regular"/>
-            </a:endParaRPr>
           </a:p>
         </p:txBody>
       </p:sp>
@@ -13190,16 +13293,12 @@
           <a:lstStyle/>
           <a:p>
             <a:r>
-              <a:rPr lang="en-US" sz="3600" b="1" dirty="0" smtClean="0">
+              <a:rPr lang="en-US" sz="3600" b="1" dirty="0">
                 <a:latin typeface="Trebuchet MS"/>
                 <a:cs typeface="Trebuchet MS"/>
               </a:rPr>
               <a:t>Moments</a:t>
             </a:r>
-            <a:endParaRPr lang="en-US" sz="3600" b="1" dirty="0">
-              <a:latin typeface="Trebuchet MS"/>
-              <a:cs typeface="Trebuchet MS"/>
-            </a:endParaRPr>
           </a:p>
         </p:txBody>
       </p:sp>
@@ -13213,13 +13312,6 @@
   <p:clrMapOvr>
     <a:masterClrMapping/>
   </p:clrMapOvr>
-  <p:timing>
-    <p:tnLst>
-      <p:par>
-        <p:cTn id="1" dur="indefinite" restart="never" nodeType="tmRoot"/>
-      </p:par>
-    </p:tnLst>
-  </p:timing>
 </p:sld>
 </file>
 
@@ -13262,7 +13354,7 @@
           <a:graphicData uri="http://schemas.openxmlformats.org/presentationml/2006/ole">
             <mc:AlternateContent xmlns:mc="http://schemas.openxmlformats.org/markup-compatibility/2006">
               <mc:Choice xmlns:v="urn:schemas-microsoft-com:vml" Requires="v">
-                <p:oleObj spid="_x0000_s1047" name="Fotografía de Photo Editor" r:id="rId3" imgW="8745171" imgH="5315692" progId="MSPhotoEd.3">
+                <p:oleObj spid="_x0000_s1048" name="Fotografía de Photo Editor" r:id="rId3" imgW="8745171" imgH="5315692" progId="MSPhotoEd.3">
                   <p:embed/>
                 </p:oleObj>
               </mc:Choice>
@@ -13305,14 +13397,14 @@
                       <a:effectLst/>
                       <a:extLst>
                         <a:ext uri="{909E8E84-426E-40dd-AFC4-6F175D3DCCD1}">
-                          <a14:hiddenFill xmlns:a14="http://schemas.microsoft.com/office/drawing/2010/main" xmlns="">
+                          <a14:hiddenFill xmlns="" xmlns:a14="http://schemas.microsoft.com/office/drawing/2010/main">
                             <a:solidFill>
                               <a:schemeClr val="accent1"/>
                             </a:solidFill>
                           </a14:hiddenFill>
                         </a:ext>
                         <a:ext uri="{91240B29-F687-4f45-9708-019B960494DF}">
-                          <a14:hiddenLine xmlns:a14="http://schemas.microsoft.com/office/drawing/2010/main" xmlns="" w="9525">
+                          <a14:hiddenLine xmlns="" xmlns:a14="http://schemas.microsoft.com/office/drawing/2010/main" w="9525">
                             <a:solidFill>
                               <a:schemeClr val="tx1"/>
                             </a:solidFill>
@@ -13322,7 +13414,7 @@
                           </a14:hiddenLine>
                         </a:ext>
                         <a:ext uri="{AF507438-7753-43e0-B8FC-AC1667EBCBE1}">
-                          <a14:hiddenEffects xmlns:a14="http://schemas.microsoft.com/office/drawing/2010/main" xmlns="">
+                          <a14:hiddenEffects xmlns="" xmlns:a14="http://schemas.microsoft.com/office/drawing/2010/main">
                             <a:effectLst>
                               <a:outerShdw blurRad="63500" dist="38099" dir="2700000" algn="ctr" rotWithShape="0">
                                 <a:schemeClr val="bg2">
@@ -13366,16 +13458,12 @@
           <a:lstStyle/>
           <a:p>
             <a:r>
-              <a:rPr lang="en-US" sz="3200" dirty="0" smtClean="0">
+              <a:rPr lang="en-US" sz="3200" dirty="0">
                 <a:latin typeface="LM Roman 10 Regular"/>
                 <a:cs typeface="LM Roman 10 Regular"/>
               </a:rPr>
               <a:t>    with </a:t>
             </a:r>
-            <a:endParaRPr lang="en-US" sz="3200" dirty="0">
-              <a:latin typeface="LM Roman 10 Regular"/>
-              <a:cs typeface="LM Roman 10 Regular"/>
-            </a:endParaRPr>
           </a:p>
         </p:txBody>
       </p:sp>
@@ -13402,16 +13490,12 @@
           <a:lstStyle/>
           <a:p>
             <a:r>
-              <a:rPr lang="en-US" sz="3600" b="1" dirty="0" smtClean="0">
+              <a:rPr lang="en-US" sz="3600" b="1" dirty="0">
                 <a:latin typeface="Trebuchet MS"/>
                 <a:cs typeface="Trebuchet MS"/>
               </a:rPr>
               <a:t>Hu - Moments</a:t>
             </a:r>
-            <a:endParaRPr lang="en-US" sz="3600" b="1" dirty="0">
-              <a:latin typeface="Trebuchet MS"/>
-              <a:cs typeface="Trebuchet MS"/>
-            </a:endParaRPr>
           </a:p>
         </p:txBody>
       </p:sp>
@@ -13437,7 +13521,7 @@
           </a:bodyPr>
           <a:lstStyle/>
           <a:p>
-            <a:endParaRPr lang="en-US" sz="2400" dirty="0" smtClean="0">
+            <a:endParaRPr lang="en-US" sz="2400" dirty="0">
               <a:solidFill>
                 <a:srgbClr val="3366FF"/>
               </a:solidFill>
@@ -13447,54 +13531,6 @@
           </a:p>
           <a:p>
             <a:r>
-              <a:rPr lang="en-US" sz="2400" dirty="0" smtClean="0">
-                <a:solidFill>
-                  <a:srgbClr val="3366FF"/>
-                </a:solidFill>
-                <a:latin typeface="Trebuchet MS"/>
-                <a:cs typeface="Trebuchet MS"/>
-              </a:rPr>
-              <a:t>They are invariant against: </a:t>
-            </a:r>
-          </a:p>
-          <a:p>
-            <a:pPr marL="742950" lvl="1" indent="-285750">
-              <a:buFont typeface="Arial"/>
-              <a:buChar char="•"/>
-            </a:pPr>
-            <a:r>
-              <a:rPr lang="en-US" sz="2400" dirty="0" smtClean="0">
-                <a:solidFill>
-                  <a:srgbClr val="3366FF"/>
-                </a:solidFill>
-                <a:latin typeface="Trebuchet MS"/>
-                <a:cs typeface="Trebuchet MS"/>
-              </a:rPr>
-              <a:t>scale, </a:t>
-            </a:r>
-          </a:p>
-          <a:p>
-            <a:pPr marL="742950" lvl="1" indent="-285750">
-              <a:buFont typeface="Arial"/>
-              <a:buChar char="•"/>
-            </a:pPr>
-            <a:r>
-              <a:rPr lang="en-US" sz="2400" dirty="0" smtClean="0">
-                <a:solidFill>
-                  <a:srgbClr val="3366FF"/>
-                </a:solidFill>
-                <a:latin typeface="Trebuchet MS"/>
-                <a:cs typeface="Trebuchet MS"/>
-              </a:rPr>
-              <a:t>rotation and </a:t>
-            </a:r>
-          </a:p>
-          <a:p>
-            <a:pPr marL="742950" lvl="1" indent="-285750">
-              <a:buFont typeface="Arial"/>
-              <a:buChar char="•"/>
-            </a:pPr>
-            <a:r>
               <a:rPr lang="en-US" sz="2400" dirty="0">
                 <a:solidFill>
                   <a:srgbClr val="3366FF"/>
@@ -13502,17 +13538,55 @@
                 <a:latin typeface="Trebuchet MS"/>
                 <a:cs typeface="Trebuchet MS"/>
               </a:rPr>
-              <a:t>l</a:t>
-            </a:r>
-            <a:r>
-              <a:rPr lang="en-US" sz="2400" dirty="0" smtClean="0">
+              <a:t>They are invariant against: </a:t>
+            </a:r>
+          </a:p>
+          <a:p>
+            <a:pPr marL="742950" lvl="1" indent="-285750">
+              <a:buFont typeface="Arial"/>
+              <a:buChar char="•"/>
+            </a:pPr>
+            <a:r>
+              <a:rPr lang="en-US" sz="2400" dirty="0">
                 <a:solidFill>
                   <a:srgbClr val="3366FF"/>
                 </a:solidFill>
                 <a:latin typeface="Trebuchet MS"/>
                 <a:cs typeface="Trebuchet MS"/>
               </a:rPr>
-              <a:t>ocation</a:t>
+              <a:t>scale, </a:t>
+            </a:r>
+          </a:p>
+          <a:p>
+            <a:pPr marL="742950" lvl="1" indent="-285750">
+              <a:buFont typeface="Arial"/>
+              <a:buChar char="•"/>
+            </a:pPr>
+            <a:r>
+              <a:rPr lang="en-US" sz="2400" dirty="0">
+                <a:solidFill>
+                  <a:srgbClr val="3366FF"/>
+                </a:solidFill>
+                <a:latin typeface="Trebuchet MS"/>
+                <a:cs typeface="Trebuchet MS"/>
+              </a:rPr>
+              <a:t>rotation and </a:t>
+            </a:r>
+          </a:p>
+          <a:p>
+            <a:pPr marL="742950" lvl="1" indent="-285750">
+              <a:buFont typeface="Arial"/>
+              <a:buChar char="•"/>
+            </a:pPr>
+            <a:r>
+              <a:rPr lang="en-US" sz="2400" dirty="0">
+                <a:solidFill>
+                  <a:srgbClr val="3366FF"/>
+                </a:solidFill>
+                <a:latin typeface="Trebuchet MS"/>
+                <a:cs typeface="Trebuchet MS"/>
+              </a:rPr>
+              <a:t>location</a:t>
             </a:r>
           </a:p>
           <a:p>
@@ -13520,7 +13594,7 @@
               <a:buFont typeface="Arial"/>
               <a:buChar char="•"/>
             </a:pPr>
-            <a:endParaRPr lang="en-US" sz="2400" dirty="0" smtClean="0">
+            <a:endParaRPr lang="en-US" sz="2400" dirty="0">
               <a:solidFill>
                 <a:srgbClr val="3366FF"/>
               </a:solidFill>
@@ -13553,14 +13627,14 @@
           <a:lstStyle/>
           <a:p>
             <a:r>
-              <a:rPr lang="en-US" sz="1200" dirty="0" smtClean="0">
+              <a:rPr lang="en-US" sz="1200" dirty="0">
                 <a:latin typeface="Trebuchet MS"/>
                 <a:cs typeface="Trebuchet MS"/>
               </a:rPr>
               <a:t>Hu, M.K. (1962): </a:t>
             </a:r>
             <a:r>
-              <a:rPr lang="en-US" sz="1200" dirty="0" smtClean="0">
+              <a:rPr lang="en-US" sz="1200" dirty="0">
                 <a:latin typeface="Trebuchet MS"/>
                 <a:cs typeface="Trebuchet MS"/>
                 <a:hlinkClick r:id="rId5"/>
@@ -13568,16 +13642,12 @@
               <a:t>Visual Pattern Recognition by moment invariants</a:t>
             </a:r>
             <a:r>
-              <a:rPr lang="en-US" sz="1200" dirty="0" smtClean="0">
+              <a:rPr lang="en-US" sz="1200" dirty="0">
                 <a:latin typeface="Trebuchet MS"/>
                 <a:cs typeface="Trebuchet MS"/>
               </a:rPr>
               <a:t>. IRE Trans. On Information Theory, 8(2): 179-187.</a:t>
             </a:r>
-            <a:endParaRPr lang="en-US" sz="1200" dirty="0">
-              <a:latin typeface="Trebuchet MS"/>
-              <a:cs typeface="Trebuchet MS"/>
-            </a:endParaRPr>
           </a:p>
         </p:txBody>
       </p:sp>
@@ -13712,16 +13782,12 @@
           <a:lstStyle/>
           <a:p>
             <a:r>
-              <a:rPr lang="en-US" sz="3600" b="1" dirty="0" smtClean="0">
+              <a:rPr lang="en-US" sz="3600" b="1" dirty="0">
                 <a:latin typeface="Trebuchet MS"/>
                 <a:cs typeface="Trebuchet MS"/>
               </a:rPr>
               <a:t>Hu - Moments</a:t>
             </a:r>
-            <a:endParaRPr lang="en-US" sz="3600" b="1" dirty="0">
-              <a:latin typeface="Trebuchet MS"/>
-              <a:cs typeface="Trebuchet MS"/>
-            </a:endParaRPr>
           </a:p>
         </p:txBody>
       </p:sp>
@@ -14241,62 +14307,62 @@
           </a:bodyPr>
           <a:lstStyle/>
           <a:p>
-            <a:endParaRPr lang="en-US" sz="2400" dirty="0" smtClean="0">
+            <a:endParaRPr lang="en-US" sz="2400" dirty="0">
               <a:latin typeface="Trebuchet MS"/>
               <a:cs typeface="Trebuchet MS"/>
             </a:endParaRPr>
           </a:p>
           <a:p>
             <a:r>
-              <a:rPr lang="en-US" sz="2400" dirty="0" smtClean="0">
+              <a:rPr lang="en-US" sz="2400" dirty="0">
                 <a:latin typeface="Trebuchet MS"/>
                 <a:cs typeface="Trebuchet MS"/>
               </a:rPr>
               <a:t>They have similar Φ</a:t>
             </a:r>
             <a:r>
-              <a:rPr lang="en-US" sz="2400" baseline="-25000" dirty="0" smtClean="0">
+              <a:rPr lang="en-US" sz="2400" baseline="-25000" dirty="0">
                 <a:latin typeface="Trebuchet MS"/>
                 <a:cs typeface="Trebuchet MS"/>
               </a:rPr>
               <a:t>1</a:t>
             </a:r>
             <a:r>
-              <a:rPr lang="en-US" sz="2400" dirty="0" smtClean="0">
+              <a:rPr lang="en-US" sz="2400" dirty="0">
                 <a:latin typeface="Trebuchet MS"/>
                 <a:cs typeface="Trebuchet MS"/>
               </a:rPr>
               <a:t>, Φ</a:t>
             </a:r>
             <a:r>
-              <a:rPr lang="en-US" sz="2400" baseline="-25000" dirty="0" smtClean="0">
+              <a:rPr lang="en-US" sz="2400" baseline="-25000" dirty="0">
                 <a:latin typeface="Trebuchet MS"/>
                 <a:cs typeface="Trebuchet MS"/>
               </a:rPr>
               <a:t>2</a:t>
             </a:r>
             <a:r>
-              <a:rPr lang="en-US" sz="2400" dirty="0" smtClean="0">
+              <a:rPr lang="en-US" sz="2400" dirty="0">
                 <a:latin typeface="Trebuchet MS"/>
                 <a:cs typeface="Trebuchet MS"/>
               </a:rPr>
               <a:t>, … Φ</a:t>
             </a:r>
             <a:r>
-              <a:rPr lang="en-US" sz="2400" baseline="-25000" dirty="0" smtClean="0">
+              <a:rPr lang="en-US" sz="2400" baseline="-25000" dirty="0">
                 <a:latin typeface="Trebuchet MS"/>
                 <a:cs typeface="Trebuchet MS"/>
               </a:rPr>
               <a:t>7</a:t>
             </a:r>
             <a:r>
-              <a:rPr lang="en-US" sz="2400" dirty="0" smtClean="0">
+              <a:rPr lang="en-US" sz="2400" dirty="0">
                 <a:latin typeface="Trebuchet MS"/>
                 <a:cs typeface="Trebuchet MS"/>
               </a:rPr>
               <a:t>. </a:t>
             </a:r>
-            <a:endParaRPr lang="en-US" sz="2400" dirty="0" smtClean="0">
+            <a:endParaRPr lang="en-US" sz="2400" dirty="0">
               <a:latin typeface="LM Roman 10 Regular"/>
               <a:cs typeface="LM Roman 10 Regular"/>
             </a:endParaRPr>
@@ -14325,7 +14391,7 @@
           </a:bodyPr>
           <a:lstStyle/>
           <a:p>
-            <a:endParaRPr lang="en-US" sz="2400" dirty="0" smtClean="0">
+            <a:endParaRPr lang="en-US" sz="2400" dirty="0">
               <a:solidFill>
                 <a:srgbClr val="3366FF"/>
               </a:solidFill>
@@ -14335,54 +14401,6 @@
           </a:p>
           <a:p>
             <a:r>
-              <a:rPr lang="en-US" sz="2400" dirty="0" smtClean="0">
-                <a:solidFill>
-                  <a:srgbClr val="3366FF"/>
-                </a:solidFill>
-                <a:latin typeface="Trebuchet MS"/>
-                <a:cs typeface="Trebuchet MS"/>
-              </a:rPr>
-              <a:t>They are invariant against: </a:t>
-            </a:r>
-          </a:p>
-          <a:p>
-            <a:pPr marL="742950" lvl="1" indent="-285750">
-              <a:buFont typeface="Arial"/>
-              <a:buChar char="•"/>
-            </a:pPr>
-            <a:r>
-              <a:rPr lang="en-US" sz="2400" dirty="0" smtClean="0">
-                <a:solidFill>
-                  <a:srgbClr val="3366FF"/>
-                </a:solidFill>
-                <a:latin typeface="Trebuchet MS"/>
-                <a:cs typeface="Trebuchet MS"/>
-              </a:rPr>
-              <a:t>scale, </a:t>
-            </a:r>
-          </a:p>
-          <a:p>
-            <a:pPr marL="742950" lvl="1" indent="-285750">
-              <a:buFont typeface="Arial"/>
-              <a:buChar char="•"/>
-            </a:pPr>
-            <a:r>
-              <a:rPr lang="en-US" sz="2400" dirty="0" smtClean="0">
-                <a:solidFill>
-                  <a:srgbClr val="3366FF"/>
-                </a:solidFill>
-                <a:latin typeface="Trebuchet MS"/>
-                <a:cs typeface="Trebuchet MS"/>
-              </a:rPr>
-              <a:t>rotation and </a:t>
-            </a:r>
-          </a:p>
-          <a:p>
-            <a:pPr marL="742950" lvl="1" indent="-285750">
-              <a:buFont typeface="Arial"/>
-              <a:buChar char="•"/>
-            </a:pPr>
-            <a:r>
               <a:rPr lang="en-US" sz="2400" dirty="0">
                 <a:solidFill>
                   <a:srgbClr val="3366FF"/>
@@ -14390,17 +14408,55 @@
                 <a:latin typeface="Trebuchet MS"/>
                 <a:cs typeface="Trebuchet MS"/>
               </a:rPr>
-              <a:t>l</a:t>
-            </a:r>
-            <a:r>
-              <a:rPr lang="en-US" sz="2400" dirty="0" smtClean="0">
+              <a:t>They are invariant against: </a:t>
+            </a:r>
+          </a:p>
+          <a:p>
+            <a:pPr marL="742950" lvl="1" indent="-285750">
+              <a:buFont typeface="Arial"/>
+              <a:buChar char="•"/>
+            </a:pPr>
+            <a:r>
+              <a:rPr lang="en-US" sz="2400" dirty="0">
                 <a:solidFill>
                   <a:srgbClr val="3366FF"/>
                 </a:solidFill>
                 <a:latin typeface="Trebuchet MS"/>
                 <a:cs typeface="Trebuchet MS"/>
               </a:rPr>
-              <a:t>ocation</a:t>
+              <a:t>scale, </a:t>
+            </a:r>
+          </a:p>
+          <a:p>
+            <a:pPr marL="742950" lvl="1" indent="-285750">
+              <a:buFont typeface="Arial"/>
+              <a:buChar char="•"/>
+            </a:pPr>
+            <a:r>
+              <a:rPr lang="en-US" sz="2400" dirty="0">
+                <a:solidFill>
+                  <a:srgbClr val="3366FF"/>
+                </a:solidFill>
+                <a:latin typeface="Trebuchet MS"/>
+                <a:cs typeface="Trebuchet MS"/>
+              </a:rPr>
+              <a:t>rotation and </a:t>
+            </a:r>
+          </a:p>
+          <a:p>
+            <a:pPr marL="742950" lvl="1" indent="-285750">
+              <a:buFont typeface="Arial"/>
+              <a:buChar char="•"/>
+            </a:pPr>
+            <a:r>
+              <a:rPr lang="en-US" sz="2400" dirty="0">
+                <a:solidFill>
+                  <a:srgbClr val="3366FF"/>
+                </a:solidFill>
+                <a:latin typeface="Trebuchet MS"/>
+                <a:cs typeface="Trebuchet MS"/>
+              </a:rPr>
+              <a:t>location</a:t>
             </a:r>
           </a:p>
           <a:p>
@@ -14408,7 +14464,7 @@
               <a:buFont typeface="Arial"/>
               <a:buChar char="•"/>
             </a:pPr>
-            <a:endParaRPr lang="en-US" sz="2400" dirty="0" smtClean="0">
+            <a:endParaRPr lang="en-US" sz="2400" dirty="0">
               <a:solidFill>
                 <a:srgbClr val="3366FF"/>
               </a:solidFill>

--- a/clases/Cap02_Extraccion_de_Caracteristicas/presentations/PAT02_GeometricFeatures.pptx
+++ b/clases/Cap02_Extraccion_de_Caracteristicas/presentations/PAT02_GeometricFeatures.pptx
@@ -223,7 +223,7 @@
             <a:fld id="{6331132F-6757-456E-A169-DFC25AF282F4}" type="datetimeFigureOut">
               <a:rPr lang="es-CL" smtClean="0"/>
               <a:pPr/>
-              <a:t>24-03-21</a:t>
+              <a:t>15-03-22</a:t>
             </a:fld>
             <a:endParaRPr lang="es-CL"/>
           </a:p>
@@ -764,7 +764,7 @@
             <a:fld id="{CBB330BB-3945-4562-998B-13630C30D4E7}" type="datetimeFigureOut">
               <a:rPr lang="es-CL" smtClean="0"/>
               <a:pPr/>
-              <a:t>24-03-21</a:t>
+              <a:t>15-03-22</a:t>
             </a:fld>
             <a:endParaRPr lang="es-CL"/>
           </a:p>
@@ -931,7 +931,7 @@
             <a:fld id="{CBB330BB-3945-4562-998B-13630C30D4E7}" type="datetimeFigureOut">
               <a:rPr lang="es-CL" smtClean="0"/>
               <a:pPr/>
-              <a:t>24-03-21</a:t>
+              <a:t>15-03-22</a:t>
             </a:fld>
             <a:endParaRPr lang="es-CL"/>
           </a:p>
@@ -1108,7 +1108,7 @@
             <a:fld id="{CBB330BB-3945-4562-998B-13630C30D4E7}" type="datetimeFigureOut">
               <a:rPr lang="es-CL" smtClean="0"/>
               <a:pPr/>
-              <a:t>24-03-21</a:t>
+              <a:t>15-03-22</a:t>
             </a:fld>
             <a:endParaRPr lang="es-CL"/>
           </a:p>
@@ -1275,7 +1275,7 @@
             <a:fld id="{CBB330BB-3945-4562-998B-13630C30D4E7}" type="datetimeFigureOut">
               <a:rPr lang="es-CL" smtClean="0"/>
               <a:pPr/>
-              <a:t>24-03-21</a:t>
+              <a:t>15-03-22</a:t>
             </a:fld>
             <a:endParaRPr lang="es-CL"/>
           </a:p>
@@ -1518,7 +1518,7 @@
             <a:fld id="{CBB330BB-3945-4562-998B-13630C30D4E7}" type="datetimeFigureOut">
               <a:rPr lang="es-CL" smtClean="0"/>
               <a:pPr/>
-              <a:t>24-03-21</a:t>
+              <a:t>15-03-22</a:t>
             </a:fld>
             <a:endParaRPr lang="es-CL"/>
           </a:p>
@@ -1803,7 +1803,7 @@
             <a:fld id="{CBB330BB-3945-4562-998B-13630C30D4E7}" type="datetimeFigureOut">
               <a:rPr lang="es-CL" smtClean="0"/>
               <a:pPr/>
-              <a:t>24-03-21</a:t>
+              <a:t>15-03-22</a:t>
             </a:fld>
             <a:endParaRPr lang="es-CL"/>
           </a:p>
@@ -2222,7 +2222,7 @@
             <a:fld id="{CBB330BB-3945-4562-998B-13630C30D4E7}" type="datetimeFigureOut">
               <a:rPr lang="es-CL" smtClean="0"/>
               <a:pPr/>
-              <a:t>24-03-21</a:t>
+              <a:t>15-03-22</a:t>
             </a:fld>
             <a:endParaRPr lang="es-CL"/>
           </a:p>
@@ -2337,7 +2337,7 @@
             <a:fld id="{CBB330BB-3945-4562-998B-13630C30D4E7}" type="datetimeFigureOut">
               <a:rPr lang="es-CL" smtClean="0"/>
               <a:pPr/>
-              <a:t>24-03-21</a:t>
+              <a:t>15-03-22</a:t>
             </a:fld>
             <a:endParaRPr lang="es-CL"/>
           </a:p>
@@ -2429,7 +2429,7 @@
             <a:fld id="{CBB330BB-3945-4562-998B-13630C30D4E7}" type="datetimeFigureOut">
               <a:rPr lang="es-CL" smtClean="0"/>
               <a:pPr/>
-              <a:t>24-03-21</a:t>
+              <a:t>15-03-22</a:t>
             </a:fld>
             <a:endParaRPr lang="es-CL"/>
           </a:p>
@@ -2703,7 +2703,7 @@
             <a:fld id="{CBB330BB-3945-4562-998B-13630C30D4E7}" type="datetimeFigureOut">
               <a:rPr lang="es-CL" smtClean="0"/>
               <a:pPr/>
-              <a:t>24-03-21</a:t>
+              <a:t>15-03-22</a:t>
             </a:fld>
             <a:endParaRPr lang="es-CL"/>
           </a:p>
@@ -2953,7 +2953,7 @@
             <a:fld id="{CBB330BB-3945-4562-998B-13630C30D4E7}" type="datetimeFigureOut">
               <a:rPr lang="es-CL" smtClean="0"/>
               <a:pPr/>
-              <a:t>24-03-21</a:t>
+              <a:t>15-03-22</a:t>
             </a:fld>
             <a:endParaRPr lang="es-CL"/>
           </a:p>
@@ -3163,7 +3163,7 @@
             <a:fld id="{CBB330BB-3945-4562-998B-13630C30D4E7}" type="datetimeFigureOut">
               <a:rPr lang="es-CL" smtClean="0"/>
               <a:pPr/>
-              <a:t>24-03-21</a:t>
+              <a:t>15-03-22</a:t>
             </a:fld>
             <a:endParaRPr lang="es-CL"/>
           </a:p>
@@ -3893,6 +3893,17 @@
           <a:p>
             <a:pPr algn="ctr"/>
             <a:r>
+              <a:rPr lang="es-CL" sz="1200">
+                <a:solidFill>
+                  <a:schemeClr val="bg1">
+                    <a:lumMod val="75000"/>
+                  </a:schemeClr>
+                </a:solidFill>
+                <a:latin typeface="Trebuchet MS" pitchFamily="34" charset="0"/>
+              </a:rPr>
+              <a:t>Departamento </a:t>
+            </a:r>
+            <a:r>
               <a:rPr lang="es-CL" sz="1200" dirty="0">
                 <a:solidFill>
                   <a:schemeClr val="bg1">
@@ -3901,7 +3912,7 @@
                 </a:solidFill>
                 <a:latin typeface="Trebuchet MS" pitchFamily="34" charset="0"/>
               </a:rPr>
-              <a:t>Departmento de Ciencia de la Computación</a:t>
+              <a:t>de Ciencia de la Computación</a:t>
             </a:r>
           </a:p>
           <a:p>
@@ -11312,7 +11323,7 @@
           <a:graphicData uri="http://schemas.openxmlformats.org/presentationml/2006/ole">
             <mc:AlternateContent xmlns:mc="http://schemas.openxmlformats.org/markup-compatibility/2006">
               <mc:Choice xmlns:v="urn:schemas-microsoft-com:vml" Requires="v">
-                <p:oleObj spid="_x0000_s18446" name="Equation" r:id="rId8" imgW="114300" imgH="165100" progId="Equation.3">
+                <p:oleObj spid="_x0000_s18447" name="Equation" r:id="rId8" imgW="114300" imgH="165100" progId="Equation.3">
                   <p:embed/>
                 </p:oleObj>
               </mc:Choice>
@@ -13354,7 +13365,7 @@
           <a:graphicData uri="http://schemas.openxmlformats.org/presentationml/2006/ole">
             <mc:AlternateContent xmlns:mc="http://schemas.openxmlformats.org/markup-compatibility/2006">
               <mc:Choice xmlns:v="urn:schemas-microsoft-com:vml" Requires="v">
-                <p:oleObj spid="_x0000_s1048" name="Fotografía de Photo Editor" r:id="rId3" imgW="8745171" imgH="5315692" progId="MSPhotoEd.3">
+                <p:oleObj spid="_x0000_s1049" name="Fotografía de Photo Editor" r:id="rId3" imgW="8745171" imgH="5315692" progId="MSPhotoEd.3">
                   <p:embed/>
                 </p:oleObj>
               </mc:Choice>
@@ -13397,14 +13408,14 @@
                       <a:effectLst/>
                       <a:extLst>
                         <a:ext uri="{909E8E84-426E-40dd-AFC4-6F175D3DCCD1}">
-                          <a14:hiddenFill xmlns="" xmlns:a14="http://schemas.microsoft.com/office/drawing/2010/main">
+                          <a14:hiddenFill xmlns:a14="http://schemas.microsoft.com/office/drawing/2010/main" xmlns="">
                             <a:solidFill>
                               <a:schemeClr val="accent1"/>
                             </a:solidFill>
                           </a14:hiddenFill>
                         </a:ext>
                         <a:ext uri="{91240B29-F687-4f45-9708-019B960494DF}">
-                          <a14:hiddenLine xmlns="" xmlns:a14="http://schemas.microsoft.com/office/drawing/2010/main" w="9525">
+                          <a14:hiddenLine xmlns:a14="http://schemas.microsoft.com/office/drawing/2010/main" xmlns="" w="9525">
                             <a:solidFill>
                               <a:schemeClr val="tx1"/>
                             </a:solidFill>
@@ -13414,7 +13425,7 @@
                           </a14:hiddenLine>
                         </a:ext>
                         <a:ext uri="{AF507438-7753-43e0-B8FC-AC1667EBCBE1}">
-                          <a14:hiddenEffects xmlns="" xmlns:a14="http://schemas.microsoft.com/office/drawing/2010/main">
+                          <a14:hiddenEffects xmlns:a14="http://schemas.microsoft.com/office/drawing/2010/main" xmlns="">
                             <a:effectLst>
                               <a:outerShdw blurRad="63500" dist="38099" dir="2700000" algn="ctr" rotWithShape="0">
                                 <a:schemeClr val="bg2">
